--- a/how_bitcoin_works/How_01_Cryptographic_Basics.pptx
+++ b/how_bitcoin_works/How_01_Cryptographic_Basics.pptx
@@ -5,15 +5,14 @@
     <p:sldMasterId id="2147483648" r:id="rId1"/>
   </p:sldMasterIdLst>
   <p:notesMasterIdLst>
-    <p:notesMasterId r:id="rId8"/>
+    <p:notesMasterId r:id="rId7"/>
   </p:notesMasterIdLst>
   <p:sldIdLst>
     <p:sldId id="313" r:id="rId2"/>
-    <p:sldId id="312" r:id="rId3"/>
-    <p:sldId id="309" r:id="rId4"/>
-    <p:sldId id="306" r:id="rId5"/>
-    <p:sldId id="307" r:id="rId6"/>
-    <p:sldId id="310" r:id="rId7"/>
+    <p:sldId id="309" r:id="rId3"/>
+    <p:sldId id="306" r:id="rId4"/>
+    <p:sldId id="307" r:id="rId5"/>
+    <p:sldId id="310" r:id="rId6"/>
   </p:sldIdLst>
   <p:sldSz cx="12192000" cy="6858000"/>
   <p:notesSz cx="6858000" cy="9144000"/>
@@ -118,7 +117,6 @@
         <p14:section name="Default Section" id="{112781BE-91B6-423E-BBF6-7C2F44E8C1A7}">
           <p14:sldIdLst>
             <p14:sldId id="313"/>
-            <p14:sldId id="312"/>
             <p14:sldId id="309"/>
             <p14:sldId id="306"/>
             <p14:sldId id="307"/>
@@ -3386,161 +3384,153 @@
           </a:p>
         </p:txBody>
       </p:sp>
-      <p:sp>
-        <p:nvSpPr>
-          <p:cNvPr id="4" name="Slide Number Placeholder 3">
+      <p:grpSp>
+        <p:nvGrpSpPr>
+          <p:cNvPr id="11" name="Group 10">
             <a:extLst>
               <a:ext uri="{FF2B5EF4-FFF2-40B4-BE49-F238E27FC236}">
-                <a16:creationId xmlns:a16="http://schemas.microsoft.com/office/drawing/2014/main" id="{CED0B58F-A6F2-499A-9208-8A822899750B}"/>
+                <a16:creationId xmlns:a16="http://schemas.microsoft.com/office/drawing/2014/main" id="{73625999-E9F6-4C76-9F26-58443E9F7483}"/>
               </a:ext>
             </a:extLst>
           </p:cNvPr>
-          <p:cNvSpPr>
-            <a:spLocks noGrp="1"/>
-          </p:cNvSpPr>
-          <p:nvPr>
-            <p:ph type="sldNum" sz="quarter" idx="12"/>
-          </p:nvPr>
-        </p:nvSpPr>
-        <p:spPr/>
-        <p:txBody>
-          <a:bodyPr/>
-          <a:lstStyle/>
-          <a:p>
-            <a:fld id="{656EEF9C-D8EE-4444-AD18-FDA4DCDDF73B}" type="slidenum">
-              <a:rPr lang="en-US" smtClean="0"/>
-              <a:t>1</a:t>
-            </a:fld>
-            <a:endParaRPr lang="en-US"/>
-          </a:p>
-        </p:txBody>
-      </p:sp>
-      <p:pic>
-        <p:nvPicPr>
-          <p:cNvPr id="5" name="Picture 4">
-            <a:extLst>
-              <a:ext uri="{FF2B5EF4-FFF2-40B4-BE49-F238E27FC236}">
-                <a16:creationId xmlns:a16="http://schemas.microsoft.com/office/drawing/2014/main" id="{1D9308FB-54A6-4CF0-8159-D3C5E232FDD4}"/>
-              </a:ext>
-            </a:extLst>
-          </p:cNvPr>
-          <p:cNvPicPr>
-            <a:picLocks noChangeAspect="1"/>
-          </p:cNvPicPr>
+          <p:cNvGrpSpPr/>
           <p:nvPr/>
-        </p:nvPicPr>
-        <p:blipFill>
-          <a:blip r:embed="rId2"/>
-          <a:stretch>
-            <a:fillRect/>
-          </a:stretch>
-        </p:blipFill>
-        <p:spPr>
+        </p:nvGrpSpPr>
+        <p:grpSpPr>
           <a:xfrm>
-            <a:off x="605968" y="4317269"/>
-            <a:ext cx="6450638" cy="1250333"/>
+            <a:off x="6501465" y="1517280"/>
+            <a:ext cx="4934712" cy="1302913"/>
+            <a:chOff x="6501465" y="1517280"/>
+            <a:chExt cx="4934712" cy="1302913"/>
           </a:xfrm>
-          <a:prstGeom prst="rect">
-            <a:avLst/>
-          </a:prstGeom>
-        </p:spPr>
-      </p:pic>
-      <p:sp>
-        <p:nvSpPr>
-          <p:cNvPr id="6" name="Rectangle 5">
-            <a:extLst>
-              <a:ext uri="{FF2B5EF4-FFF2-40B4-BE49-F238E27FC236}">
-                <a16:creationId xmlns:a16="http://schemas.microsoft.com/office/drawing/2014/main" id="{0BC06713-EF5A-42CC-8952-E2A3508CF2B1}"/>
-              </a:ext>
-            </a:extLst>
-          </p:cNvPr>
-          <p:cNvSpPr/>
-          <p:nvPr/>
-        </p:nvSpPr>
-        <p:spPr>
-          <a:xfrm>
-            <a:off x="2118305" y="5071155"/>
-            <a:ext cx="1082091" cy="369332"/>
-          </a:xfrm>
-          <a:prstGeom prst="rect">
-            <a:avLst/>
-          </a:prstGeom>
-        </p:spPr>
-        <p:txBody>
-          <a:bodyPr wrap="none">
-            <a:spAutoFit/>
-          </a:bodyPr>
-          <a:lstStyle/>
-          <a:p>
-            <a:r>
-              <a:rPr lang="en-US" dirty="0">
-                <a:solidFill>
-                  <a:srgbClr val="FF0000"/>
-                </a:solidFill>
-                <a:latin typeface="Arial Black" panose="020B0A04020102020204" pitchFamily="34" charset="0"/>
-              </a:rPr>
-              <a:t>Create</a:t>
-            </a:r>
-            <a:r>
-              <a:rPr lang="en-US" sz="1400" dirty="0">
-                <a:solidFill>
-                  <a:srgbClr val="FF0000"/>
-                </a:solidFill>
-                <a:latin typeface="Arial Black" panose="020B0A04020102020204" pitchFamily="34" charset="0"/>
-              </a:rPr>
-              <a:t> </a:t>
-            </a:r>
-          </a:p>
-        </p:txBody>
-      </p:sp>
-      <p:sp>
-        <p:nvSpPr>
-          <p:cNvPr id="7" name="Rectangle 6">
-            <a:extLst>
-              <a:ext uri="{FF2B5EF4-FFF2-40B4-BE49-F238E27FC236}">
-                <a16:creationId xmlns:a16="http://schemas.microsoft.com/office/drawing/2014/main" id="{8D0B5FE1-2F40-4F70-A3B5-A663C4854735}"/>
-              </a:ext>
-            </a:extLst>
-          </p:cNvPr>
-          <p:cNvSpPr/>
-          <p:nvPr/>
-        </p:nvSpPr>
-        <p:spPr>
-          <a:xfrm>
-            <a:off x="4606171" y="5077471"/>
-            <a:ext cx="976036" cy="369332"/>
-          </a:xfrm>
-          <a:prstGeom prst="rect">
-            <a:avLst/>
-          </a:prstGeom>
-        </p:spPr>
-        <p:txBody>
-          <a:bodyPr wrap="none">
-            <a:spAutoFit/>
-          </a:bodyPr>
-          <a:lstStyle/>
-          <a:p>
-            <a:r>
-              <a:rPr lang="en-US" dirty="0">
-                <a:solidFill>
-                  <a:srgbClr val="FF0000"/>
-                </a:solidFill>
-                <a:latin typeface="Arial Black" panose="020B0A04020102020204" pitchFamily="34" charset="0"/>
-              </a:rPr>
-              <a:t>Verify</a:t>
-            </a:r>
-            <a:r>
-              <a:rPr lang="en-US" sz="1400" dirty="0">
-                <a:solidFill>
-                  <a:srgbClr val="FF0000"/>
-                </a:solidFill>
-                <a:latin typeface="Arial Black" panose="020B0A04020102020204" pitchFamily="34" charset="0"/>
-              </a:rPr>
-              <a:t> </a:t>
-            </a:r>
-          </a:p>
-        </p:txBody>
-      </p:sp>
+        </p:grpSpPr>
+        <p:pic>
+          <p:nvPicPr>
+            <p:cNvPr id="10" name="Picture 9">
+              <a:extLst>
+                <a:ext uri="{FF2B5EF4-FFF2-40B4-BE49-F238E27FC236}">
+                  <a16:creationId xmlns:a16="http://schemas.microsoft.com/office/drawing/2014/main" id="{FB05374D-5411-4999-B7D3-DF73BF58AEA6}"/>
+                </a:ext>
+              </a:extLst>
+            </p:cNvPr>
+            <p:cNvPicPr>
+              <a:picLocks noChangeAspect="1"/>
+            </p:cNvPicPr>
+            <p:nvPr/>
+          </p:nvPicPr>
+          <p:blipFill>
+            <a:blip r:embed="rId2"/>
+            <a:stretch>
+              <a:fillRect/>
+            </a:stretch>
+          </p:blipFill>
+          <p:spPr>
+            <a:xfrm>
+              <a:off x="6501465" y="1517280"/>
+              <a:ext cx="4934712" cy="1302913"/>
+            </a:xfrm>
+            <a:prstGeom prst="rect">
+              <a:avLst/>
+            </a:prstGeom>
+          </p:spPr>
+        </p:pic>
+        <p:sp>
+          <p:nvSpPr>
+            <p:cNvPr id="6" name="Rectangle 5">
+              <a:extLst>
+                <a:ext uri="{FF2B5EF4-FFF2-40B4-BE49-F238E27FC236}">
+                  <a16:creationId xmlns:a16="http://schemas.microsoft.com/office/drawing/2014/main" id="{0BC06713-EF5A-42CC-8952-E2A3508CF2B1}"/>
+                </a:ext>
+              </a:extLst>
+            </p:cNvPr>
+            <p:cNvSpPr/>
+            <p:nvPr/>
+          </p:nvSpPr>
+          <p:spPr>
+            <a:xfrm>
+              <a:off x="7397704" y="2269706"/>
+              <a:ext cx="1082091" cy="369332"/>
+            </a:xfrm>
+            <a:prstGeom prst="rect">
+              <a:avLst/>
+            </a:prstGeom>
+          </p:spPr>
+          <p:txBody>
+            <a:bodyPr wrap="none">
+              <a:spAutoFit/>
+            </a:bodyPr>
+            <a:lstStyle/>
+            <a:p>
+              <a:r>
+                <a:rPr lang="en-US" dirty="0">
+                  <a:solidFill>
+                    <a:srgbClr val="FF0000"/>
+                  </a:solidFill>
+                  <a:latin typeface="Arial Black" panose="020B0A04020102020204" pitchFamily="34" charset="0"/>
+                </a:rPr>
+                <a:t>Create</a:t>
+              </a:r>
+              <a:r>
+                <a:rPr lang="en-US" sz="1400" dirty="0">
+                  <a:solidFill>
+                    <a:srgbClr val="FF0000"/>
+                  </a:solidFill>
+                  <a:latin typeface="Arial Black" panose="020B0A04020102020204" pitchFamily="34" charset="0"/>
+                </a:rPr>
+                <a:t> </a:t>
+              </a:r>
+            </a:p>
+          </p:txBody>
+        </p:sp>
+        <p:sp>
+          <p:nvSpPr>
+            <p:cNvPr id="7" name="Rectangle 6">
+              <a:extLst>
+                <a:ext uri="{FF2B5EF4-FFF2-40B4-BE49-F238E27FC236}">
+                  <a16:creationId xmlns:a16="http://schemas.microsoft.com/office/drawing/2014/main" id="{8D0B5FE1-2F40-4F70-A3B5-A663C4854735}"/>
+                </a:ext>
+              </a:extLst>
+            </p:cNvPr>
+            <p:cNvSpPr/>
+            <p:nvPr/>
+          </p:nvSpPr>
+          <p:spPr>
+            <a:xfrm>
+              <a:off x="9445375" y="2264423"/>
+              <a:ext cx="976036" cy="369332"/>
+            </a:xfrm>
+            <a:prstGeom prst="rect">
+              <a:avLst/>
+            </a:prstGeom>
+          </p:spPr>
+          <p:txBody>
+            <a:bodyPr wrap="none">
+              <a:spAutoFit/>
+            </a:bodyPr>
+            <a:lstStyle/>
+            <a:p>
+              <a:r>
+                <a:rPr lang="en-US" dirty="0">
+                  <a:solidFill>
+                    <a:srgbClr val="FF0000"/>
+                  </a:solidFill>
+                  <a:latin typeface="Arial Black" panose="020B0A04020102020204" pitchFamily="34" charset="0"/>
+                </a:rPr>
+                <a:t>Verify</a:t>
+              </a:r>
+              <a:r>
+                <a:rPr lang="en-US" sz="1400" dirty="0">
+                  <a:solidFill>
+                    <a:srgbClr val="FF0000"/>
+                  </a:solidFill>
+                  <a:latin typeface="Arial Black" panose="020B0A04020102020204" pitchFamily="34" charset="0"/>
+                </a:rPr>
+                <a:t> </a:t>
+              </a:r>
+            </a:p>
+          </p:txBody>
+        </p:sp>
+      </p:grpSp>
       <p:sp>
         <p:nvSpPr>
           <p:cNvPr id="8" name="Rectangle 7">
@@ -3555,15 +3545,15 @@
         </p:nvSpPr>
         <p:spPr>
           <a:xfrm>
-            <a:off x="960606" y="5746477"/>
-            <a:ext cx="6096000" cy="830997"/>
+            <a:off x="6501465" y="2976055"/>
+            <a:ext cx="5381528" cy="830997"/>
           </a:xfrm>
           <a:prstGeom prst="rect">
             <a:avLst/>
           </a:prstGeom>
         </p:spPr>
         <p:txBody>
-          <a:bodyPr>
+          <a:bodyPr wrap="square">
             <a:spAutoFit/>
           </a:bodyPr>
           <a:lstStyle/>
@@ -3603,10 +3593,10 @@
         </p:nvGrpSpPr>
         <p:grpSpPr>
           <a:xfrm>
-            <a:off x="834181" y="1399609"/>
-            <a:ext cx="5570166" cy="1863715"/>
-            <a:chOff x="834181" y="1399609"/>
-            <a:chExt cx="5570166" cy="1863715"/>
+            <a:off x="288944" y="1376799"/>
+            <a:ext cx="5136016" cy="2031384"/>
+            <a:chOff x="1268331" y="1231940"/>
+            <a:chExt cx="5136016" cy="2031384"/>
           </a:xfrm>
         </p:grpSpPr>
         <p:sp>
@@ -3625,8 +3615,8 @@
           </p:nvSpPr>
           <p:spPr bwMode="auto">
             <a:xfrm>
-              <a:off x="1322282" y="1425941"/>
-              <a:ext cx="1006336" cy="646331"/>
+              <a:off x="1322282" y="1287442"/>
+              <a:ext cx="1006336" cy="923330"/>
             </a:xfrm>
             <a:prstGeom prst="rect">
               <a:avLst/>
@@ -3796,7 +3786,26 @@
               </a:lvl9pPr>
             </a:lstStyle>
             <a:p>
-              <a:pPr algn="ctr">
+              <a:pPr algn="r">
+                <a:lnSpc>
+                  <a:spcPct val="100000"/>
+                </a:lnSpc>
+                <a:spcBef>
+                  <a:spcPct val="0"/>
+                </a:spcBef>
+                <a:buClrTx/>
+                <a:buSzTx/>
+                <a:buFontTx/>
+                <a:buNone/>
+              </a:pPr>
+              <a:endParaRPr lang="en-US" altLang="en-US" sz="1800" b="1" dirty="0">
+                <a:solidFill>
+                  <a:schemeClr val="tx1"/>
+                </a:solidFill>
+              </a:endParaRPr>
+            </a:p>
+            <a:p>
+              <a:pPr algn="r">
                 <a:lnSpc>
                   <a:spcPct val="100000"/>
                 </a:lnSpc>
@@ -4365,7 +4374,7 @@
           </p:nvSpPr>
           <p:spPr>
             <a:xfrm>
-              <a:off x="2118305" y="2096130"/>
+              <a:off x="2501365" y="2124199"/>
               <a:ext cx="2412183" cy="369332"/>
             </a:xfrm>
             <a:prstGeom prst="rect">
@@ -4416,7 +4425,7 @@
           </p:nvSpPr>
           <p:spPr>
             <a:xfrm>
-              <a:off x="834181" y="1550694"/>
+              <a:off x="1467565" y="1231940"/>
               <a:ext cx="636713" cy="369332"/>
             </a:xfrm>
             <a:prstGeom prst="rect">
@@ -4838,7 +4847,7 @@
           </p:nvSpPr>
           <p:spPr bwMode="auto">
             <a:xfrm flipH="1">
-              <a:off x="1268331" y="2467828"/>
+              <a:off x="1269523" y="2465462"/>
               <a:ext cx="4063906" cy="0"/>
             </a:xfrm>
             <a:prstGeom prst="line">
@@ -4935,621 +4944,44 @@
           </p:txBody>
         </p:sp>
       </p:grpSp>
-    </p:spTree>
-    <p:extLst>
-      <p:ext uri="{BB962C8B-B14F-4D97-AF65-F5344CB8AC3E}">
-        <p14:creationId xmlns:p14="http://schemas.microsoft.com/office/powerpoint/2010/main" val="3465927476"/>
-      </p:ext>
-    </p:extLst>
-  </p:cSld>
-  <p:clrMapOvr>
-    <a:masterClrMapping/>
-  </p:clrMapOvr>
-</p:sld>
-</file>
-
-<file path=ppt/slides/slide2.xml><?xml version="1.0" encoding="utf-8"?>
-<p:sld xmlns:a="http://schemas.openxmlformats.org/drawingml/2006/main" xmlns:r="http://schemas.openxmlformats.org/officeDocument/2006/relationships" xmlns:p="http://schemas.openxmlformats.org/presentationml/2006/main">
-  <p:cSld>
-    <p:spTree>
-      <p:nvGrpSpPr>
-        <p:cNvPr id="1" name=""/>
-        <p:cNvGrpSpPr/>
-        <p:nvPr/>
-      </p:nvGrpSpPr>
-      <p:grpSpPr>
-        <a:xfrm>
-          <a:off x="0" y="0"/>
-          <a:ext cx="0" cy="0"/>
-          <a:chOff x="0" y="0"/>
-          <a:chExt cx="0" cy="0"/>
-        </a:xfrm>
-      </p:grpSpPr>
-      <p:sp>
-        <p:nvSpPr>
-          <p:cNvPr id="2" name="Title 1"/>
-          <p:cNvSpPr>
-            <a:spLocks noGrp="1"/>
-          </p:cNvSpPr>
-          <p:nvPr>
-            <p:ph type="title"/>
-          </p:nvPr>
-        </p:nvSpPr>
-        <p:spPr>
-          <a:xfrm>
-            <a:off x="838200" y="365126"/>
-            <a:ext cx="10515600" cy="123248"/>
-          </a:xfrm>
-        </p:spPr>
-        <p:txBody>
-          <a:bodyPr>
-            <a:normAutofit fontScale="90000"/>
-          </a:bodyPr>
-          <a:lstStyle/>
-          <a:p>
-            <a:r>
-              <a:rPr lang="en-US" dirty="0"/>
-              <a:t>Digital Signature</a:t>
-            </a:r>
-          </a:p>
-        </p:txBody>
-      </p:sp>
-      <p:sp>
-        <p:nvSpPr>
-          <p:cNvPr id="13" name="Slide Number Placeholder 12"/>
-          <p:cNvSpPr>
-            <a:spLocks noGrp="1"/>
-          </p:cNvSpPr>
-          <p:nvPr>
-            <p:ph type="sldNum" sz="quarter" idx="12"/>
-          </p:nvPr>
-        </p:nvSpPr>
-        <p:spPr/>
-        <p:txBody>
-          <a:bodyPr/>
-          <a:lstStyle/>
-          <a:p>
-            <a:fld id="{656EEF9C-D8EE-4444-AD18-FDA4DCDDF73B}" type="slidenum">
-              <a:rPr lang="en-US" smtClean="0"/>
-              <a:t>2</a:t>
-            </a:fld>
-            <a:endParaRPr lang="en-US" dirty="0"/>
-          </a:p>
-        </p:txBody>
-      </p:sp>
-      <p:sp>
-        <p:nvSpPr>
-          <p:cNvPr id="14" name="Content Placeholder 2"/>
-          <p:cNvSpPr>
-            <a:spLocks noGrp="1"/>
-          </p:cNvSpPr>
-          <p:nvPr>
-            <p:ph idx="1"/>
-          </p:nvPr>
-        </p:nvSpPr>
-        <p:spPr>
-          <a:xfrm>
-            <a:off x="4714397" y="1041331"/>
-            <a:ext cx="4170965" cy="1217362"/>
-          </a:xfrm>
-        </p:spPr>
-        <p:txBody>
-          <a:bodyPr>
-            <a:normAutofit/>
-          </a:bodyPr>
-          <a:lstStyle/>
-          <a:p>
-            <a:pPr marL="0" indent="0">
-              <a:buNone/>
-            </a:pPr>
-            <a:r>
-              <a:rPr lang="en-US" sz="2000" dirty="0"/>
-              <a:t>Digital Signature Math in Bitcoin</a:t>
-            </a:r>
-          </a:p>
-          <a:p>
-            <a:r>
-              <a:rPr lang="en-US" sz="2000" dirty="0" err="1"/>
-              <a:t>ecdsa</a:t>
-            </a:r>
-            <a:r>
-              <a:rPr lang="en-US" sz="2000" dirty="0"/>
-              <a:t>  </a:t>
-            </a:r>
-            <a:r>
-              <a:rPr lang="en-US" sz="1400" dirty="0"/>
-              <a:t>(elliptic curve digital signature algorithm)</a:t>
-            </a:r>
-            <a:endParaRPr lang="en-US" sz="2000" dirty="0"/>
-          </a:p>
-          <a:p>
-            <a:r>
-              <a:rPr lang="en-US" sz="2000" dirty="0"/>
-              <a:t>”mathematical trap door”</a:t>
-            </a:r>
-          </a:p>
-        </p:txBody>
-      </p:sp>
       <p:grpSp>
         <p:nvGrpSpPr>
-          <p:cNvPr id="37" name="Group 36"/>
+          <p:cNvPr id="40" name="Group 39">
+            <a:extLst>
+              <a:ext uri="{FF2B5EF4-FFF2-40B4-BE49-F238E27FC236}">
+                <a16:creationId xmlns:a16="http://schemas.microsoft.com/office/drawing/2014/main" id="{D3A885CE-4639-4890-BFE3-D348C01CCE10}"/>
+              </a:ext>
+            </a:extLst>
+          </p:cNvPr>
           <p:cNvGrpSpPr/>
           <p:nvPr/>
         </p:nvGrpSpPr>
         <p:grpSpPr>
           <a:xfrm>
-            <a:off x="407370" y="1276350"/>
-            <a:ext cx="2653330" cy="2286000"/>
-            <a:chOff x="407370" y="1276350"/>
-            <a:chExt cx="2653330" cy="2286000"/>
-          </a:xfrm>
-        </p:grpSpPr>
-        <p:sp>
-          <p:nvSpPr>
-            <p:cNvPr id="9" name="Rectangle 8"/>
-            <p:cNvSpPr/>
-            <p:nvPr/>
-          </p:nvSpPr>
-          <p:spPr>
-            <a:xfrm>
-              <a:off x="443530" y="1276350"/>
-              <a:ext cx="1333500" cy="611882"/>
-            </a:xfrm>
-            <a:prstGeom prst="rect">
-              <a:avLst/>
-            </a:prstGeom>
-            <a:solidFill>
-              <a:srgbClr val="FF0000"/>
-            </a:solidFill>
-            <a:ln w="31750">
-              <a:solidFill>
-                <a:schemeClr val="tx1"/>
-              </a:solidFill>
-            </a:ln>
-          </p:spPr>
-          <p:style>
-            <a:lnRef idx="2">
-              <a:schemeClr val="accent1">
-                <a:shade val="50000"/>
-              </a:schemeClr>
-            </a:lnRef>
-            <a:fillRef idx="1">
-              <a:schemeClr val="accent1"/>
-            </a:fillRef>
-            <a:effectRef idx="0">
-              <a:schemeClr val="accent1"/>
-            </a:effectRef>
-            <a:fontRef idx="minor">
-              <a:schemeClr val="lt1"/>
-            </a:fontRef>
-          </p:style>
-          <p:txBody>
-            <a:bodyPr rtlCol="0" anchor="ctr"/>
-            <a:lstStyle/>
-            <a:p>
-              <a:pPr algn="ctr"/>
-              <a:r>
-                <a:rPr lang="en-US" dirty="0">
-                  <a:solidFill>
-                    <a:schemeClr val="tx1"/>
-                  </a:solidFill>
-                </a:rPr>
-                <a:t>Transaction </a:t>
-              </a:r>
-              <a:br>
-                <a:rPr lang="en-US" dirty="0">
-                  <a:solidFill>
-                    <a:schemeClr val="tx1"/>
-                  </a:solidFill>
-                </a:rPr>
-              </a:br>
-              <a:r>
-                <a:rPr lang="en-US" dirty="0">
-                  <a:solidFill>
-                    <a:schemeClr val="tx1"/>
-                  </a:solidFill>
-                </a:rPr>
-                <a:t>Message</a:t>
-              </a:r>
-            </a:p>
-          </p:txBody>
-        </p:sp>
-        <p:sp>
-          <p:nvSpPr>
-            <p:cNvPr id="15" name="Rectangle 14"/>
-            <p:cNvSpPr/>
-            <p:nvPr/>
-          </p:nvSpPr>
-          <p:spPr>
-            <a:xfrm>
-              <a:off x="1727200" y="1338513"/>
-              <a:ext cx="1333500" cy="611882"/>
-            </a:xfrm>
-            <a:prstGeom prst="rect">
-              <a:avLst/>
-            </a:prstGeom>
-            <a:solidFill>
-              <a:srgbClr val="FF0000"/>
-            </a:solidFill>
-            <a:ln w="31750">
-              <a:solidFill>
-                <a:schemeClr val="tx1"/>
-              </a:solidFill>
-            </a:ln>
-          </p:spPr>
-          <p:style>
-            <a:lnRef idx="2">
-              <a:schemeClr val="accent1">
-                <a:shade val="50000"/>
-              </a:schemeClr>
-            </a:lnRef>
-            <a:fillRef idx="1">
-              <a:schemeClr val="accent1"/>
-            </a:fillRef>
-            <a:effectRef idx="0">
-              <a:schemeClr val="accent1"/>
-            </a:effectRef>
-            <a:fontRef idx="minor">
-              <a:schemeClr val="lt1"/>
-            </a:fontRef>
-          </p:style>
-          <p:txBody>
-            <a:bodyPr rtlCol="0" anchor="ctr"/>
-            <a:lstStyle/>
-            <a:p>
-              <a:pPr algn="ctr"/>
-              <a:r>
-                <a:rPr lang="en-US" dirty="0">
-                  <a:solidFill>
-                    <a:schemeClr val="tx1"/>
-                  </a:solidFill>
-                </a:rPr>
-                <a:t>Transaction </a:t>
-              </a:r>
-              <a:br>
-                <a:rPr lang="en-US" dirty="0">
-                  <a:solidFill>
-                    <a:schemeClr val="tx1"/>
-                  </a:solidFill>
-                </a:rPr>
-              </a:br>
-              <a:r>
-                <a:rPr lang="en-US" dirty="0">
-                  <a:solidFill>
-                    <a:schemeClr val="tx1"/>
-                  </a:solidFill>
-                </a:rPr>
-                <a:t>Message</a:t>
-              </a:r>
-            </a:p>
-          </p:txBody>
-        </p:sp>
-        <p:sp>
-          <p:nvSpPr>
-            <p:cNvPr id="16" name="Rectangle 15"/>
-            <p:cNvSpPr/>
-            <p:nvPr/>
-          </p:nvSpPr>
-          <p:spPr>
-            <a:xfrm>
-              <a:off x="1636988" y="2895865"/>
-              <a:ext cx="1333500" cy="611882"/>
-            </a:xfrm>
-            <a:prstGeom prst="rect">
-              <a:avLst/>
-            </a:prstGeom>
-            <a:solidFill>
-              <a:srgbClr val="FF0000"/>
-            </a:solidFill>
-            <a:ln w="31750">
-              <a:solidFill>
-                <a:schemeClr val="tx1"/>
-              </a:solidFill>
-            </a:ln>
-          </p:spPr>
-          <p:style>
-            <a:lnRef idx="2">
-              <a:schemeClr val="accent1">
-                <a:shade val="50000"/>
-              </a:schemeClr>
-            </a:lnRef>
-            <a:fillRef idx="1">
-              <a:schemeClr val="accent1"/>
-            </a:fillRef>
-            <a:effectRef idx="0">
-              <a:schemeClr val="accent1"/>
-            </a:effectRef>
-            <a:fontRef idx="minor">
-              <a:schemeClr val="lt1"/>
-            </a:fontRef>
-          </p:style>
-          <p:txBody>
-            <a:bodyPr rtlCol="0" anchor="ctr"/>
-            <a:lstStyle/>
-            <a:p>
-              <a:pPr algn="ctr"/>
-              <a:r>
-                <a:rPr lang="en-US" dirty="0">
-                  <a:solidFill>
-                    <a:schemeClr val="tx1"/>
-                  </a:solidFill>
-                </a:rPr>
-                <a:t>Transaction </a:t>
-              </a:r>
-              <a:br>
-                <a:rPr lang="en-US" dirty="0">
-                  <a:solidFill>
-                    <a:schemeClr val="tx1"/>
-                  </a:solidFill>
-                </a:rPr>
-              </a:br>
-              <a:r>
-                <a:rPr lang="en-US" dirty="0">
-                  <a:solidFill>
-                    <a:schemeClr val="tx1"/>
-                  </a:solidFill>
-                </a:rPr>
-                <a:t>Message</a:t>
-              </a:r>
-            </a:p>
-          </p:txBody>
-        </p:sp>
-        <p:sp>
-          <p:nvSpPr>
-            <p:cNvPr id="17" name="Rectangle 16"/>
-            <p:cNvSpPr/>
-            <p:nvPr/>
-          </p:nvSpPr>
-          <p:spPr>
-            <a:xfrm>
-              <a:off x="407370" y="2950468"/>
-              <a:ext cx="1333500" cy="611882"/>
-            </a:xfrm>
-            <a:prstGeom prst="rect">
-              <a:avLst/>
-            </a:prstGeom>
-            <a:solidFill>
-              <a:srgbClr val="FF0000"/>
-            </a:solidFill>
-            <a:ln w="31750">
-              <a:solidFill>
-                <a:schemeClr val="tx1"/>
-              </a:solidFill>
-            </a:ln>
-          </p:spPr>
-          <p:style>
-            <a:lnRef idx="2">
-              <a:schemeClr val="accent1">
-                <a:shade val="50000"/>
-              </a:schemeClr>
-            </a:lnRef>
-            <a:fillRef idx="1">
-              <a:schemeClr val="accent1"/>
-            </a:fillRef>
-            <a:effectRef idx="0">
-              <a:schemeClr val="accent1"/>
-            </a:effectRef>
-            <a:fontRef idx="minor">
-              <a:schemeClr val="lt1"/>
-            </a:fontRef>
-          </p:style>
-          <p:txBody>
-            <a:bodyPr rtlCol="0" anchor="ctr"/>
-            <a:lstStyle/>
-            <a:p>
-              <a:pPr algn="ctr"/>
-              <a:r>
-                <a:rPr lang="en-US" dirty="0">
-                  <a:solidFill>
-                    <a:schemeClr val="tx1"/>
-                  </a:solidFill>
-                </a:rPr>
-                <a:t>Transaction </a:t>
-              </a:r>
-              <a:br>
-                <a:rPr lang="en-US" dirty="0">
-                  <a:solidFill>
-                    <a:schemeClr val="tx1"/>
-                  </a:solidFill>
-                </a:rPr>
-              </a:br>
-              <a:r>
-                <a:rPr lang="en-US" dirty="0">
-                  <a:solidFill>
-                    <a:schemeClr val="tx1"/>
-                  </a:solidFill>
-                </a:rPr>
-                <a:t>Message</a:t>
-              </a:r>
-            </a:p>
-          </p:txBody>
-        </p:sp>
-      </p:grpSp>
-      <p:sp>
-        <p:nvSpPr>
-          <p:cNvPr id="18" name="Rectangle 17"/>
-          <p:cNvSpPr/>
-          <p:nvPr/>
-        </p:nvSpPr>
-        <p:spPr>
-          <a:xfrm>
-            <a:off x="469900" y="2140330"/>
-            <a:ext cx="1333500" cy="611882"/>
-          </a:xfrm>
-          <a:prstGeom prst="rect">
-            <a:avLst/>
-          </a:prstGeom>
-          <a:solidFill>
-            <a:srgbClr val="00B050"/>
-          </a:solidFill>
-          <a:ln w="31750">
-            <a:solidFill>
-              <a:schemeClr val="tx1"/>
-            </a:solidFill>
-          </a:ln>
-        </p:spPr>
-        <p:style>
-          <a:lnRef idx="2">
-            <a:schemeClr val="accent1">
-              <a:shade val="50000"/>
-            </a:schemeClr>
-          </a:lnRef>
-          <a:fillRef idx="1">
-            <a:schemeClr val="accent1"/>
-          </a:fillRef>
-          <a:effectRef idx="0">
-            <a:schemeClr val="accent1"/>
-          </a:effectRef>
-          <a:fontRef idx="minor">
-            <a:schemeClr val="lt1"/>
-          </a:fontRef>
-        </p:style>
-        <p:txBody>
-          <a:bodyPr rtlCol="0" anchor="ctr"/>
-          <a:lstStyle/>
-          <a:p>
-            <a:pPr algn="ctr"/>
-            <a:r>
-              <a:rPr lang="en-US" dirty="0">
-                <a:solidFill>
-                  <a:schemeClr val="tx1"/>
-                </a:solidFill>
-              </a:rPr>
-              <a:t>Transaction </a:t>
-            </a:r>
-            <a:br>
-              <a:rPr lang="en-US" dirty="0">
-                <a:solidFill>
-                  <a:schemeClr val="tx1"/>
-                </a:solidFill>
-              </a:rPr>
-            </a:br>
-            <a:r>
-              <a:rPr lang="en-US" dirty="0">
-                <a:solidFill>
-                  <a:schemeClr val="tx1"/>
-                </a:solidFill>
-              </a:rPr>
-              <a:t>Message</a:t>
-            </a:r>
-          </a:p>
-        </p:txBody>
-      </p:sp>
-      <p:sp>
-        <p:nvSpPr>
-          <p:cNvPr id="19" name="Rectangle 18"/>
-          <p:cNvSpPr/>
-          <p:nvPr/>
-        </p:nvSpPr>
-        <p:spPr>
-          <a:xfrm>
-            <a:off x="2157016" y="2217861"/>
-            <a:ext cx="1754584" cy="456820"/>
-          </a:xfrm>
-          <a:prstGeom prst="rect">
-            <a:avLst/>
-          </a:prstGeom>
-          <a:noFill/>
-          <a:ln w="31750">
-            <a:solidFill>
-              <a:schemeClr val="tx1"/>
-            </a:solidFill>
-          </a:ln>
-        </p:spPr>
-        <p:style>
-          <a:lnRef idx="2">
-            <a:schemeClr val="accent1">
-              <a:shade val="50000"/>
-            </a:schemeClr>
-          </a:lnRef>
-          <a:fillRef idx="1">
-            <a:schemeClr val="accent1"/>
-          </a:fillRef>
-          <a:effectRef idx="0">
-            <a:schemeClr val="accent1"/>
-          </a:effectRef>
-          <a:fontRef idx="minor">
-            <a:schemeClr val="lt1"/>
-          </a:fontRef>
-        </p:style>
-        <p:txBody>
-          <a:bodyPr rtlCol="0" anchor="ctr"/>
-          <a:lstStyle/>
-          <a:p>
-            <a:pPr algn="ctr"/>
-            <a:r>
-              <a:rPr lang="en-US" dirty="0">
-                <a:solidFill>
-                  <a:schemeClr val="tx1"/>
-                </a:solidFill>
-              </a:rPr>
-              <a:t>Digital Signature</a:t>
-            </a:r>
-          </a:p>
-        </p:txBody>
-      </p:sp>
-      <p:cxnSp>
-        <p:nvCxnSpPr>
-          <p:cNvPr id="20" name="Straight Arrow Connector 19"/>
-          <p:cNvCxnSpPr>
-            <a:cxnSpLocks/>
-            <a:stCxn id="18" idx="3"/>
-            <a:endCxn id="19" idx="1"/>
-          </p:cNvCxnSpPr>
-          <p:nvPr/>
-        </p:nvCxnSpPr>
-        <p:spPr>
-          <a:xfrm>
-            <a:off x="1803400" y="2446271"/>
-            <a:ext cx="353616" cy="0"/>
-          </a:xfrm>
-          <a:prstGeom prst="straightConnector1">
-            <a:avLst/>
-          </a:prstGeom>
-          <a:ln w="41275">
-            <a:headEnd type="triangle"/>
-            <a:tailEnd type="triangle"/>
-          </a:ln>
-        </p:spPr>
-        <p:style>
-          <a:lnRef idx="1">
-            <a:schemeClr val="accent1"/>
-          </a:lnRef>
-          <a:fillRef idx="0">
-            <a:schemeClr val="accent1"/>
-          </a:fillRef>
-          <a:effectRef idx="0">
-            <a:schemeClr val="accent1"/>
-          </a:effectRef>
-          <a:fontRef idx="minor">
-            <a:schemeClr val="tx1"/>
-          </a:fontRef>
-        </p:style>
-      </p:cxnSp>
-      <p:grpSp>
-        <p:nvGrpSpPr>
-          <p:cNvPr id="38" name="Group 37"/>
-          <p:cNvGrpSpPr/>
-          <p:nvPr/>
-        </p:nvGrpSpPr>
-        <p:grpSpPr>
-          <a:xfrm>
-            <a:off x="316508" y="4330700"/>
-            <a:ext cx="7208242" cy="235013"/>
-            <a:chOff x="316508" y="4330700"/>
-            <a:chExt cx="7208242" cy="235013"/>
+            <a:off x="460464" y="4303719"/>
+            <a:ext cx="5934075" cy="235013"/>
+            <a:chOff x="460464" y="4303719"/>
+            <a:chExt cx="5934075" cy="235013"/>
           </a:xfrm>
         </p:grpSpPr>
         <p:cxnSp>
           <p:nvCxnSpPr>
-            <p:cNvPr id="24" name="Straight Arrow Connector 23"/>
-            <p:cNvCxnSpPr/>
+            <p:cNvPr id="27" name="Straight Arrow Connector 26">
+              <a:extLst>
+                <a:ext uri="{FF2B5EF4-FFF2-40B4-BE49-F238E27FC236}">
+                  <a16:creationId xmlns:a16="http://schemas.microsoft.com/office/drawing/2014/main" id="{EF71DECE-9E35-43EC-9350-931F035F1B1E}"/>
+                </a:ext>
+              </a:extLst>
+            </p:cNvPr>
+            <p:cNvCxnSpPr>
+              <a:cxnSpLocks/>
+            </p:cNvCxnSpPr>
             <p:nvPr/>
           </p:nvCxnSpPr>
           <p:spPr>
             <a:xfrm>
-              <a:off x="316508" y="4445000"/>
-              <a:ext cx="7208242" cy="0"/>
+              <a:off x="460464" y="4418019"/>
+              <a:ext cx="5934075" cy="0"/>
             </a:xfrm>
             <a:prstGeom prst="straightConnector1">
               <a:avLst/>
@@ -5575,13 +5007,19 @@
         </p:cxnSp>
         <p:sp>
           <p:nvSpPr>
-            <p:cNvPr id="25" name="Flowchart: Connector 24"/>
+            <p:cNvPr id="28" name="Flowchart: Connector 27">
+              <a:extLst>
+                <a:ext uri="{FF2B5EF4-FFF2-40B4-BE49-F238E27FC236}">
+                  <a16:creationId xmlns:a16="http://schemas.microsoft.com/office/drawing/2014/main" id="{412E4A17-C86F-4439-A3DD-17E06DBF116B}"/>
+                </a:ext>
+              </a:extLst>
+            </p:cNvPr>
             <p:cNvSpPr/>
             <p:nvPr/>
           </p:nvSpPr>
           <p:spPr>
             <a:xfrm>
-              <a:off x="1498600" y="4330700"/>
+              <a:off x="1152614" y="4303719"/>
               <a:ext cx="215900" cy="228600"/>
             </a:xfrm>
             <a:prstGeom prst="flowChartConnector">
@@ -5615,13 +5053,19 @@
         </p:sp>
         <p:sp>
           <p:nvSpPr>
-            <p:cNvPr id="26" name="Flowchart: Connector 25"/>
+            <p:cNvPr id="29" name="Flowchart: Connector 28">
+              <a:extLst>
+                <a:ext uri="{FF2B5EF4-FFF2-40B4-BE49-F238E27FC236}">
+                  <a16:creationId xmlns:a16="http://schemas.microsoft.com/office/drawing/2014/main" id="{FFF6DA6A-1743-48D8-AA94-39DE5F5BEABB}"/>
+                </a:ext>
+              </a:extLst>
+            </p:cNvPr>
             <p:cNvSpPr/>
             <p:nvPr/>
           </p:nvSpPr>
           <p:spPr>
             <a:xfrm>
-              <a:off x="3638550" y="4330700"/>
+              <a:off x="3292564" y="4303719"/>
               <a:ext cx="215900" cy="228600"/>
             </a:xfrm>
             <a:prstGeom prst="flowChartConnector">
@@ -5655,13 +5099,19 @@
         </p:sp>
         <p:sp>
           <p:nvSpPr>
-            <p:cNvPr id="27" name="Flowchart: Connector 26"/>
+            <p:cNvPr id="30" name="Flowchart: Connector 29">
+              <a:extLst>
+                <a:ext uri="{FF2B5EF4-FFF2-40B4-BE49-F238E27FC236}">
+                  <a16:creationId xmlns:a16="http://schemas.microsoft.com/office/drawing/2014/main" id="{E7AF1CC3-D7DF-4FBC-A4B3-829DC3B53A6D}"/>
+                </a:ext>
+              </a:extLst>
+            </p:cNvPr>
             <p:cNvSpPr/>
             <p:nvPr/>
           </p:nvSpPr>
           <p:spPr>
             <a:xfrm>
-              <a:off x="5854700" y="4337113"/>
+              <a:off x="5508714" y="4310132"/>
               <a:ext cx="215900" cy="228600"/>
             </a:xfrm>
             <a:prstGeom prst="flowChartConnector">
@@ -5696,13 +5146,19 @@
       </p:grpSp>
       <p:grpSp>
         <p:nvGrpSpPr>
-          <p:cNvPr id="30" name="Group 29"/>
+          <p:cNvPr id="31" name="Group 30">
+            <a:extLst>
+              <a:ext uri="{FF2B5EF4-FFF2-40B4-BE49-F238E27FC236}">
+                <a16:creationId xmlns:a16="http://schemas.microsoft.com/office/drawing/2014/main" id="{A6573FCE-A249-4204-9854-41E680E46181}"/>
+              </a:ext>
+            </a:extLst>
+          </p:cNvPr>
           <p:cNvGrpSpPr/>
           <p:nvPr/>
         </p:nvGrpSpPr>
         <p:grpSpPr>
           <a:xfrm>
-            <a:off x="806450" y="4715257"/>
+            <a:off x="460464" y="4688276"/>
             <a:ext cx="1555750" cy="1723643"/>
             <a:chOff x="2470150" y="5572507"/>
             <a:chExt cx="1555750" cy="1723643"/>
@@ -5710,7 +5166,13 @@
         </p:grpSpPr>
         <p:sp>
           <p:nvSpPr>
-            <p:cNvPr id="28" name="Rectangle 27"/>
+            <p:cNvPr id="32" name="Rectangle 31">
+              <a:extLst>
+                <a:ext uri="{FF2B5EF4-FFF2-40B4-BE49-F238E27FC236}">
+                  <a16:creationId xmlns:a16="http://schemas.microsoft.com/office/drawing/2014/main" id="{9BC37174-6623-4D2E-BB00-0924D3E0E47E}"/>
+                </a:ext>
+              </a:extLst>
+            </p:cNvPr>
             <p:cNvSpPr/>
             <p:nvPr/>
           </p:nvSpPr>
@@ -5826,7 +5288,13 @@
         </p:sp>
         <p:sp>
           <p:nvSpPr>
-            <p:cNvPr id="29" name="Rectangle 28"/>
+            <p:cNvPr id="33" name="Rectangle 32">
+              <a:extLst>
+                <a:ext uri="{FF2B5EF4-FFF2-40B4-BE49-F238E27FC236}">
+                  <a16:creationId xmlns:a16="http://schemas.microsoft.com/office/drawing/2014/main" id="{9605ECBA-81C1-4451-AB44-5C7E62ED5D00}"/>
+                </a:ext>
+              </a:extLst>
+            </p:cNvPr>
             <p:cNvSpPr/>
             <p:nvPr/>
           </p:nvSpPr>
@@ -5880,13 +5348,19 @@
       </p:grpSp>
       <p:grpSp>
         <p:nvGrpSpPr>
-          <p:cNvPr id="31" name="Group 30"/>
+          <p:cNvPr id="34" name="Group 33">
+            <a:extLst>
+              <a:ext uri="{FF2B5EF4-FFF2-40B4-BE49-F238E27FC236}">
+                <a16:creationId xmlns:a16="http://schemas.microsoft.com/office/drawing/2014/main" id="{2BA1C86F-88EA-47D3-A231-CA29CC954857}"/>
+              </a:ext>
+            </a:extLst>
+          </p:cNvPr>
           <p:cNvGrpSpPr/>
           <p:nvPr/>
         </p:nvGrpSpPr>
         <p:grpSpPr>
           <a:xfrm>
-            <a:off x="2952750" y="4715257"/>
+            <a:off x="2606764" y="4688276"/>
             <a:ext cx="1555750" cy="1723643"/>
             <a:chOff x="2470150" y="5572507"/>
             <a:chExt cx="1555750" cy="1723643"/>
@@ -5894,7 +5368,13 @@
         </p:grpSpPr>
         <p:sp>
           <p:nvSpPr>
-            <p:cNvPr id="32" name="Rectangle 31"/>
+            <p:cNvPr id="35" name="Rectangle 34">
+              <a:extLst>
+                <a:ext uri="{FF2B5EF4-FFF2-40B4-BE49-F238E27FC236}">
+                  <a16:creationId xmlns:a16="http://schemas.microsoft.com/office/drawing/2014/main" id="{7D4C2FEF-EE39-4CFE-9773-2F8058FDD150}"/>
+                </a:ext>
+              </a:extLst>
+            </p:cNvPr>
             <p:cNvSpPr/>
             <p:nvPr/>
           </p:nvSpPr>
@@ -6026,7 +5506,13 @@
         </p:sp>
         <p:sp>
           <p:nvSpPr>
-            <p:cNvPr id="33" name="Rectangle 32"/>
+            <p:cNvPr id="36" name="Rectangle 35">
+              <a:extLst>
+                <a:ext uri="{FF2B5EF4-FFF2-40B4-BE49-F238E27FC236}">
+                  <a16:creationId xmlns:a16="http://schemas.microsoft.com/office/drawing/2014/main" id="{6A0D2144-0DD4-4EE9-83C7-4A6A76CEAE58}"/>
+                </a:ext>
+              </a:extLst>
+            </p:cNvPr>
             <p:cNvSpPr/>
             <p:nvPr/>
           </p:nvSpPr>
@@ -6080,13 +5566,19 @@
       </p:grpSp>
       <p:grpSp>
         <p:nvGrpSpPr>
-          <p:cNvPr id="34" name="Group 33"/>
+          <p:cNvPr id="37" name="Group 36">
+            <a:extLst>
+              <a:ext uri="{FF2B5EF4-FFF2-40B4-BE49-F238E27FC236}">
+                <a16:creationId xmlns:a16="http://schemas.microsoft.com/office/drawing/2014/main" id="{EEB0C6D2-A5F3-4DDE-B4E3-751E7B5303FA}"/>
+              </a:ext>
+            </a:extLst>
+          </p:cNvPr>
           <p:cNvGrpSpPr/>
           <p:nvPr/>
         </p:nvGrpSpPr>
         <p:grpSpPr>
           <a:xfrm>
-            <a:off x="5184775" y="4692200"/>
+            <a:off x="4838789" y="4665219"/>
             <a:ext cx="1555750" cy="1723643"/>
             <a:chOff x="2470150" y="5572507"/>
             <a:chExt cx="1555750" cy="1723643"/>
@@ -6097,7 +5589,13 @@
         </p:grpSpPr>
         <p:sp>
           <p:nvSpPr>
-            <p:cNvPr id="35" name="Rectangle 34"/>
+            <p:cNvPr id="38" name="Rectangle 37">
+              <a:extLst>
+                <a:ext uri="{FF2B5EF4-FFF2-40B4-BE49-F238E27FC236}">
+                  <a16:creationId xmlns:a16="http://schemas.microsoft.com/office/drawing/2014/main" id="{610206FD-C54E-4F8A-943A-B8AFBF45C888}"/>
+                </a:ext>
+              </a:extLst>
+            </p:cNvPr>
             <p:cNvSpPr/>
             <p:nvPr/>
           </p:nvSpPr>
@@ -6227,7 +5725,13 @@
         </p:sp>
         <p:sp>
           <p:nvSpPr>
-            <p:cNvPr id="36" name="Rectangle 35"/>
+            <p:cNvPr id="39" name="Rectangle 38">
+              <a:extLst>
+                <a:ext uri="{FF2B5EF4-FFF2-40B4-BE49-F238E27FC236}">
+                  <a16:creationId xmlns:a16="http://schemas.microsoft.com/office/drawing/2014/main" id="{5C4E3A33-1C56-4906-825E-A2DD4EA6F717}"/>
+                </a:ext>
+              </a:extLst>
+            </p:cNvPr>
             <p:cNvSpPr/>
             <p:nvPr/>
           </p:nvSpPr>
@@ -6279,10 +5783,69 @@
           </p:txBody>
         </p:sp>
       </p:grpSp>
+      <p:sp>
+        <p:nvSpPr>
+          <p:cNvPr id="41" name="Content Placeholder 2">
+            <a:extLst>
+              <a:ext uri="{FF2B5EF4-FFF2-40B4-BE49-F238E27FC236}">
+                <a16:creationId xmlns:a16="http://schemas.microsoft.com/office/drawing/2014/main" id="{098E222B-FFC1-4CC5-A9A7-5EB28414A5FD}"/>
+              </a:ext>
+            </a:extLst>
+          </p:cNvPr>
+          <p:cNvSpPr>
+            <a:spLocks noGrp="1"/>
+          </p:cNvSpPr>
+          <p:nvPr>
+            <p:ph idx="1"/>
+          </p:nvPr>
+        </p:nvSpPr>
+        <p:spPr>
+          <a:xfrm>
+            <a:off x="7359892" y="4665219"/>
+            <a:ext cx="4170965" cy="1217362"/>
+          </a:xfrm>
+        </p:spPr>
+        <p:txBody>
+          <a:bodyPr>
+            <a:normAutofit/>
+          </a:bodyPr>
+          <a:lstStyle/>
+          <a:p>
+            <a:pPr marL="0" indent="0">
+              <a:buNone/>
+            </a:pPr>
+            <a:r>
+              <a:rPr lang="en-US" sz="2000" dirty="0"/>
+              <a:t>Digital Signature Math in Bitcoin</a:t>
+            </a:r>
+          </a:p>
+          <a:p>
+            <a:r>
+              <a:rPr lang="en-US" sz="2000" dirty="0" err="1"/>
+              <a:t>ecdsa</a:t>
+            </a:r>
+            <a:r>
+              <a:rPr lang="en-US" sz="2000" dirty="0"/>
+              <a:t>  </a:t>
+            </a:r>
+            <a:r>
+              <a:rPr lang="en-US" sz="1400" dirty="0"/>
+              <a:t>(elliptic curve digital signature algorithm)</a:t>
+            </a:r>
+            <a:endParaRPr lang="en-US" sz="2000" dirty="0"/>
+          </a:p>
+          <a:p>
+            <a:r>
+              <a:rPr lang="en-US" sz="2000" dirty="0"/>
+              <a:t>”mathematical trap door”</a:t>
+            </a:r>
+          </a:p>
+        </p:txBody>
+      </p:sp>
     </p:spTree>
     <p:extLst>
       <p:ext uri="{BB962C8B-B14F-4D97-AF65-F5344CB8AC3E}">
-        <p14:creationId xmlns:p14="http://schemas.microsoft.com/office/powerpoint/2010/main" val="3637010900"/>
+        <p14:creationId xmlns:p14="http://schemas.microsoft.com/office/powerpoint/2010/main" val="3465927476"/>
       </p:ext>
     </p:extLst>
   </p:cSld>
@@ -6323,7 +5886,7 @@
                                           </p:stCondLst>
                                         </p:cTn>
                                         <p:tgtEl>
-                                          <p:spTgt spid="37"/>
+                                          <p:spTgt spid="26"/>
                                         </p:tgtEl>
                                         <p:attrNameLst>
                                           <p:attrName>style.visibility</p:attrName>
@@ -6368,7 +5931,7 @@
                                           </p:stCondLst>
                                         </p:cTn>
                                         <p:tgtEl>
-                                          <p:spTgt spid="38"/>
+                                          <p:spTgt spid="11"/>
                                         </p:tgtEl>
                                         <p:attrNameLst>
                                           <p:attrName>style.visibility</p:attrName>
@@ -6400,7 +5963,7 @@
                             </p:stCondLst>
                             <p:childTnLst>
                               <p:par>
-                                <p:cTn id="13" presetID="10" presetClass="entr" presetSubtype="0" fill="hold" nodeType="clickEffect">
+                                <p:cTn id="13" presetID="1" presetClass="entr" presetSubtype="0" fill="hold" grpId="0" nodeType="clickEffect">
                                   <p:stCondLst>
                                     <p:cond delay="0"/>
                                   </p:stCondLst>
@@ -6413,7 +5976,7 @@
                                           </p:stCondLst>
                                         </p:cTn>
                                         <p:tgtEl>
-                                          <p:spTgt spid="30"/>
+                                          <p:spTgt spid="8"/>
                                         </p:tgtEl>
                                         <p:attrNameLst>
                                           <p:attrName>style.visibility</p:attrName>
@@ -6423,14 +5986,6 @@
                                         <p:strVal val="visible"/>
                                       </p:to>
                                     </p:set>
-                                    <p:animEffect transition="in" filter="fade">
-                                      <p:cBhvr>
-                                        <p:cTn id="15" dur="500"/>
-                                        <p:tgtEl>
-                                          <p:spTgt spid="30"/>
-                                        </p:tgtEl>
-                                      </p:cBhvr>
-                                    </p:animEffect>
                                   </p:childTnLst>
                                 </p:cTn>
                               </p:par>
@@ -6441,26 +5996,26 @@
                     </p:cTn>
                   </p:par>
                   <p:par>
-                    <p:cTn id="16" fill="hold">
+                    <p:cTn id="15" fill="hold">
                       <p:stCondLst>
                         <p:cond delay="indefinite"/>
                       </p:stCondLst>
                       <p:childTnLst>
                         <p:par>
-                          <p:cTn id="17" fill="hold">
+                          <p:cTn id="16" fill="hold">
                             <p:stCondLst>
                               <p:cond delay="0"/>
                             </p:stCondLst>
                             <p:childTnLst>
                               <p:par>
-                                <p:cTn id="18" presetID="10" presetClass="entr" presetSubtype="0" fill="hold" nodeType="clickEffect">
+                                <p:cTn id="17" presetID="10" presetClass="entr" presetSubtype="0" fill="hold" nodeType="clickEffect">
                                   <p:stCondLst>
                                     <p:cond delay="0"/>
                                   </p:stCondLst>
                                   <p:childTnLst>
                                     <p:set>
                                       <p:cBhvr>
-                                        <p:cTn id="19" dur="1" fill="hold">
+                                        <p:cTn id="18" dur="1" fill="hold">
                                           <p:stCondLst>
                                             <p:cond delay="0"/>
                                           </p:stCondLst>
@@ -6478,7 +6033,7 @@
                                     </p:set>
                                     <p:animEffect transition="in" filter="fade">
                                       <p:cBhvr>
-                                        <p:cTn id="20" dur="500"/>
+                                        <p:cTn id="19" dur="500"/>
                                         <p:tgtEl>
                                           <p:spTgt spid="31"/>
                                         </p:tgtEl>
@@ -6494,32 +6049,232 @@
                     </p:cTn>
                   </p:par>
                   <p:par>
-                    <p:cTn id="21" fill="hold">
+                    <p:cTn id="20" fill="hold">
                       <p:stCondLst>
                         <p:cond delay="indefinite"/>
                       </p:stCondLst>
                       <p:childTnLst>
                         <p:par>
-                          <p:cTn id="22" fill="hold">
+                          <p:cTn id="21" fill="hold">
                             <p:stCondLst>
                               <p:cond delay="0"/>
                             </p:stCondLst>
                             <p:childTnLst>
                               <p:par>
-                                <p:cTn id="23" presetID="1" presetClass="entr" presetSubtype="0" fill="hold" nodeType="clickEffect">
+                                <p:cTn id="22" presetID="10" presetClass="entr" presetSubtype="0" fill="hold" nodeType="clickEffect">
                                   <p:stCondLst>
                                     <p:cond delay="0"/>
                                   </p:stCondLst>
                                   <p:childTnLst>
                                     <p:set>
                                       <p:cBhvr>
-                                        <p:cTn id="24" dur="1" fill="hold">
+                                        <p:cTn id="23" dur="1" fill="hold">
                                           <p:stCondLst>
                                             <p:cond delay="0"/>
                                           </p:stCondLst>
                                         </p:cTn>
                                         <p:tgtEl>
                                           <p:spTgt spid="34"/>
+                                        </p:tgtEl>
+                                        <p:attrNameLst>
+                                          <p:attrName>style.visibility</p:attrName>
+                                        </p:attrNameLst>
+                                      </p:cBhvr>
+                                      <p:to>
+                                        <p:strVal val="visible"/>
+                                      </p:to>
+                                    </p:set>
+                                    <p:animEffect transition="in" filter="fade">
+                                      <p:cBhvr>
+                                        <p:cTn id="24" dur="500"/>
+                                        <p:tgtEl>
+                                          <p:spTgt spid="34"/>
+                                        </p:tgtEl>
+                                      </p:cBhvr>
+                                    </p:animEffect>
+                                  </p:childTnLst>
+                                </p:cTn>
+                              </p:par>
+                            </p:childTnLst>
+                          </p:cTn>
+                        </p:par>
+                      </p:childTnLst>
+                    </p:cTn>
+                  </p:par>
+                  <p:par>
+                    <p:cTn id="25" fill="hold">
+                      <p:stCondLst>
+                        <p:cond delay="indefinite"/>
+                      </p:stCondLst>
+                      <p:childTnLst>
+                        <p:par>
+                          <p:cTn id="26" fill="hold">
+                            <p:stCondLst>
+                              <p:cond delay="0"/>
+                            </p:stCondLst>
+                            <p:childTnLst>
+                              <p:par>
+                                <p:cTn id="27" presetID="1" presetClass="entr" presetSubtype="0" fill="hold" nodeType="clickEffect">
+                                  <p:stCondLst>
+                                    <p:cond delay="0"/>
+                                  </p:stCondLst>
+                                  <p:childTnLst>
+                                    <p:set>
+                                      <p:cBhvr>
+                                        <p:cTn id="28" dur="1" fill="hold">
+                                          <p:stCondLst>
+                                            <p:cond delay="0"/>
+                                          </p:stCondLst>
+                                        </p:cTn>
+                                        <p:tgtEl>
+                                          <p:spTgt spid="37"/>
+                                        </p:tgtEl>
+                                        <p:attrNameLst>
+                                          <p:attrName>style.visibility</p:attrName>
+                                        </p:attrNameLst>
+                                      </p:cBhvr>
+                                      <p:to>
+                                        <p:strVal val="visible"/>
+                                      </p:to>
+                                    </p:set>
+                                  </p:childTnLst>
+                                </p:cTn>
+                              </p:par>
+                            </p:childTnLst>
+                          </p:cTn>
+                        </p:par>
+                      </p:childTnLst>
+                    </p:cTn>
+                  </p:par>
+                  <p:par>
+                    <p:cTn id="29" fill="hold">
+                      <p:stCondLst>
+                        <p:cond delay="indefinite"/>
+                      </p:stCondLst>
+                      <p:childTnLst>
+                        <p:par>
+                          <p:cTn id="30" fill="hold">
+                            <p:stCondLst>
+                              <p:cond delay="0"/>
+                            </p:stCondLst>
+                            <p:childTnLst>
+                              <p:par>
+                                <p:cTn id="31" presetID="1" presetClass="entr" presetSubtype="0" fill="hold" grpId="0" nodeType="clickEffect">
+                                  <p:stCondLst>
+                                    <p:cond delay="0"/>
+                                  </p:stCondLst>
+                                  <p:childTnLst>
+                                    <p:set>
+                                      <p:cBhvr>
+                                        <p:cTn id="32" dur="1" fill="hold">
+                                          <p:stCondLst>
+                                            <p:cond delay="0"/>
+                                          </p:stCondLst>
+                                        </p:cTn>
+                                        <p:tgtEl>
+                                          <p:spTgt spid="41">
+                                            <p:txEl>
+                                              <p:pRg st="0" end="0"/>
+                                            </p:txEl>
+                                          </p:spTgt>
+                                        </p:tgtEl>
+                                        <p:attrNameLst>
+                                          <p:attrName>style.visibility</p:attrName>
+                                        </p:attrNameLst>
+                                      </p:cBhvr>
+                                      <p:to>
+                                        <p:strVal val="visible"/>
+                                      </p:to>
+                                    </p:set>
+                                  </p:childTnLst>
+                                </p:cTn>
+                              </p:par>
+                            </p:childTnLst>
+                          </p:cTn>
+                        </p:par>
+                      </p:childTnLst>
+                    </p:cTn>
+                  </p:par>
+                  <p:par>
+                    <p:cTn id="33" fill="hold">
+                      <p:stCondLst>
+                        <p:cond delay="indefinite"/>
+                      </p:stCondLst>
+                      <p:childTnLst>
+                        <p:par>
+                          <p:cTn id="34" fill="hold">
+                            <p:stCondLst>
+                              <p:cond delay="0"/>
+                            </p:stCondLst>
+                            <p:childTnLst>
+                              <p:par>
+                                <p:cTn id="35" presetID="1" presetClass="entr" presetSubtype="0" fill="hold" grpId="0" nodeType="clickEffect">
+                                  <p:stCondLst>
+                                    <p:cond delay="0"/>
+                                  </p:stCondLst>
+                                  <p:childTnLst>
+                                    <p:set>
+                                      <p:cBhvr>
+                                        <p:cTn id="36" dur="1" fill="hold">
+                                          <p:stCondLst>
+                                            <p:cond delay="0"/>
+                                          </p:stCondLst>
+                                        </p:cTn>
+                                        <p:tgtEl>
+                                          <p:spTgt spid="41">
+                                            <p:txEl>
+                                              <p:pRg st="1" end="1"/>
+                                            </p:txEl>
+                                          </p:spTgt>
+                                        </p:tgtEl>
+                                        <p:attrNameLst>
+                                          <p:attrName>style.visibility</p:attrName>
+                                        </p:attrNameLst>
+                                      </p:cBhvr>
+                                      <p:to>
+                                        <p:strVal val="visible"/>
+                                      </p:to>
+                                    </p:set>
+                                  </p:childTnLst>
+                                </p:cTn>
+                              </p:par>
+                            </p:childTnLst>
+                          </p:cTn>
+                        </p:par>
+                      </p:childTnLst>
+                    </p:cTn>
+                  </p:par>
+                  <p:par>
+                    <p:cTn id="37" fill="hold">
+                      <p:stCondLst>
+                        <p:cond delay="indefinite"/>
+                      </p:stCondLst>
+                      <p:childTnLst>
+                        <p:par>
+                          <p:cTn id="38" fill="hold">
+                            <p:stCondLst>
+                              <p:cond delay="0"/>
+                            </p:stCondLst>
+                            <p:childTnLst>
+                              <p:par>
+                                <p:cTn id="39" presetID="1" presetClass="entr" presetSubtype="0" fill="hold" grpId="0" nodeType="clickEffect">
+                                  <p:stCondLst>
+                                    <p:cond delay="0"/>
+                                  </p:stCondLst>
+                                  <p:childTnLst>
+                                    <p:set>
+                                      <p:cBhvr>
+                                        <p:cTn id="40" dur="1" fill="hold">
+                                          <p:stCondLst>
+                                            <p:cond delay="0"/>
+                                          </p:stCondLst>
+                                        </p:cTn>
+                                        <p:tgtEl>
+                                          <p:spTgt spid="41">
+                                            <p:txEl>
+                                              <p:pRg st="2" end="2"/>
+                                            </p:txEl>
+                                          </p:spTgt>
                                         </p:tgtEl>
                                         <p:attrNameLst>
                                           <p:attrName>style.visibility</p:attrName>
@@ -6559,11 +6314,15 @@
         </p:cTn>
       </p:par>
     </p:tnLst>
+    <p:bldLst>
+      <p:bldP spid="8" grpId="0"/>
+      <p:bldP spid="41" grpId="0" build="p"/>
+    </p:bldLst>
   </p:timing>
 </p:sld>
 </file>
 
-<file path=ppt/slides/slide3.xml><?xml version="1.0" encoding="utf-8"?>
+<file path=ppt/slides/slide2.xml><?xml version="1.0" encoding="utf-8"?>
 <p:sld xmlns:a="http://schemas.openxmlformats.org/drawingml/2006/main" xmlns:r="http://schemas.openxmlformats.org/officeDocument/2006/relationships" xmlns:p="http://schemas.openxmlformats.org/presentationml/2006/main">
   <p:cSld>
     <p:spTree>
@@ -6700,7 +6459,7 @@
           <a:p>
             <a:fld id="{656EEF9C-D8EE-4444-AD18-FDA4DCDDF73B}" type="slidenum">
               <a:rPr lang="en-US" smtClean="0"/>
-              <a:t>3</a:t>
+              <a:t>2</a:t>
             </a:fld>
             <a:endParaRPr lang="en-US" dirty="0"/>
           </a:p>
@@ -9870,7 +9629,7 @@
 </p:sld>
 </file>
 
-<file path=ppt/slides/slide4.xml><?xml version="1.0" encoding="utf-8"?>
+<file path=ppt/slides/slide3.xml><?xml version="1.0" encoding="utf-8"?>
 <p:sld xmlns:a="http://schemas.openxmlformats.org/drawingml/2006/main" xmlns:r="http://schemas.openxmlformats.org/officeDocument/2006/relationships" xmlns:p="http://schemas.openxmlformats.org/presentationml/2006/main">
   <p:cSld>
     <p:spTree>
@@ -9963,7 +9722,7 @@
           <a:p>
             <a:fld id="{656EEF9C-D8EE-4444-AD18-FDA4DCDDF73B}" type="slidenum">
               <a:rPr lang="en-US" smtClean="0"/>
-              <a:t>4</a:t>
+              <a:t>3</a:t>
             </a:fld>
             <a:endParaRPr lang="en-US"/>
           </a:p>
@@ -11752,7 +11511,7 @@
 </p:sld>
 </file>
 
-<file path=ppt/slides/slide5.xml><?xml version="1.0" encoding="utf-8"?>
+<file path=ppt/slides/slide4.xml><?xml version="1.0" encoding="utf-8"?>
 <p:sld xmlns:a="http://schemas.openxmlformats.org/drawingml/2006/main" xmlns:r="http://schemas.openxmlformats.org/officeDocument/2006/relationships" xmlns:p="http://schemas.openxmlformats.org/presentationml/2006/main">
   <p:cSld>
     <p:spTree>
@@ -11898,7 +11657,7 @@
           <a:p>
             <a:fld id="{656EEF9C-D8EE-4444-AD18-FDA4DCDDF73B}" type="slidenum">
               <a:rPr lang="en-US" smtClean="0"/>
-              <a:t>5</a:t>
+              <a:t>4</a:t>
             </a:fld>
             <a:endParaRPr lang="en-US"/>
           </a:p>
@@ -12667,7 +12426,7 @@
 </p:sld>
 </file>
 
-<file path=ppt/slides/slide6.xml><?xml version="1.0" encoding="utf-8"?>
+<file path=ppt/slides/slide5.xml><?xml version="1.0" encoding="utf-8"?>
 <p:sld xmlns:a="http://schemas.openxmlformats.org/drawingml/2006/main" xmlns:r="http://schemas.openxmlformats.org/officeDocument/2006/relationships" xmlns:p="http://schemas.openxmlformats.org/presentationml/2006/main">
   <p:cSld>
     <p:spTree>
@@ -12783,7 +12542,7 @@
           <a:p>
             <a:fld id="{656EEF9C-D8EE-4444-AD18-FDA4DCDDF73B}" type="slidenum">
               <a:rPr lang="en-US" smtClean="0"/>
-              <a:t>6</a:t>
+              <a:t>5</a:t>
             </a:fld>
             <a:endParaRPr lang="en-US"/>
           </a:p>

--- a/how_bitcoin_works/How_01_Cryptographic_Basics.pptx
+++ b/how_bitcoin_works/How_01_Cryptographic_Basics.pptx
@@ -5886,7 +5886,7 @@
                                           </p:stCondLst>
                                         </p:cTn>
                                         <p:tgtEl>
-                                          <p:spTgt spid="26"/>
+                                          <p:spTgt spid="11"/>
                                         </p:tgtEl>
                                         <p:attrNameLst>
                                           <p:attrName>style.visibility</p:attrName>
@@ -5918,7 +5918,7 @@
                             </p:stCondLst>
                             <p:childTnLst>
                               <p:par>
-                                <p:cTn id="9" presetID="1" presetClass="entr" presetSubtype="0" fill="hold" nodeType="clickEffect">
+                                <p:cTn id="9" presetID="1" presetClass="entr" presetSubtype="0" fill="hold" grpId="0" nodeType="clickEffect">
                                   <p:stCondLst>
                                     <p:cond delay="0"/>
                                   </p:stCondLst>
@@ -5931,7 +5931,7 @@
                                           </p:stCondLst>
                                         </p:cTn>
                                         <p:tgtEl>
-                                          <p:spTgt spid="11"/>
+                                          <p:spTgt spid="8"/>
                                         </p:tgtEl>
                                         <p:attrNameLst>
                                           <p:attrName>style.visibility</p:attrName>
@@ -5963,7 +5963,7 @@
                             </p:stCondLst>
                             <p:childTnLst>
                               <p:par>
-                                <p:cTn id="13" presetID="1" presetClass="entr" presetSubtype="0" fill="hold" grpId="0" nodeType="clickEffect">
+                                <p:cTn id="13" presetID="1" presetClass="entr" presetSubtype="0" fill="hold" nodeType="clickEffect">
                                   <p:stCondLst>
                                     <p:cond delay="0"/>
                                   </p:stCondLst>
@@ -5976,7 +5976,34 @@
                                           </p:stCondLst>
                                         </p:cTn>
                                         <p:tgtEl>
-                                          <p:spTgt spid="8"/>
+                                          <p:spTgt spid="40"/>
+                                        </p:tgtEl>
+                                        <p:attrNameLst>
+                                          <p:attrName>style.visibility</p:attrName>
+                                        </p:attrNameLst>
+                                      </p:cBhvr>
+                                      <p:to>
+                                        <p:strVal val="visible"/>
+                                      </p:to>
+                                    </p:set>
+                                  </p:childTnLst>
+                                </p:cTn>
+                              </p:par>
+                              <p:par>
+                                <p:cTn id="15" presetID="1" presetClass="entr" presetSubtype="0" fill="hold" nodeType="withEffect">
+                                  <p:stCondLst>
+                                    <p:cond delay="0"/>
+                                  </p:stCondLst>
+                                  <p:childTnLst>
+                                    <p:set>
+                                      <p:cBhvr>
+                                        <p:cTn id="16" dur="1" fill="hold">
+                                          <p:stCondLst>
+                                            <p:cond delay="0"/>
+                                          </p:stCondLst>
+                                        </p:cTn>
+                                        <p:tgtEl>
+                                          <p:spTgt spid="31"/>
                                         </p:tgtEl>
                                         <p:attrNameLst>
                                           <p:attrName>style.visibility</p:attrName>
@@ -5996,79 +6023,26 @@
                     </p:cTn>
                   </p:par>
                   <p:par>
-                    <p:cTn id="15" fill="hold">
+                    <p:cTn id="17" fill="hold">
                       <p:stCondLst>
                         <p:cond delay="indefinite"/>
                       </p:stCondLst>
                       <p:childTnLst>
                         <p:par>
-                          <p:cTn id="16" fill="hold">
+                          <p:cTn id="18" fill="hold">
                             <p:stCondLst>
                               <p:cond delay="0"/>
                             </p:stCondLst>
                             <p:childTnLst>
                               <p:par>
-                                <p:cTn id="17" presetID="10" presetClass="entr" presetSubtype="0" fill="hold" nodeType="clickEffect">
+                                <p:cTn id="19" presetID="10" presetClass="entr" presetSubtype="0" fill="hold" nodeType="clickEffect">
                                   <p:stCondLst>
                                     <p:cond delay="0"/>
                                   </p:stCondLst>
                                   <p:childTnLst>
                                     <p:set>
                                       <p:cBhvr>
-                                        <p:cTn id="18" dur="1" fill="hold">
-                                          <p:stCondLst>
-                                            <p:cond delay="0"/>
-                                          </p:stCondLst>
-                                        </p:cTn>
-                                        <p:tgtEl>
-                                          <p:spTgt spid="31"/>
-                                        </p:tgtEl>
-                                        <p:attrNameLst>
-                                          <p:attrName>style.visibility</p:attrName>
-                                        </p:attrNameLst>
-                                      </p:cBhvr>
-                                      <p:to>
-                                        <p:strVal val="visible"/>
-                                      </p:to>
-                                    </p:set>
-                                    <p:animEffect transition="in" filter="fade">
-                                      <p:cBhvr>
-                                        <p:cTn id="19" dur="500"/>
-                                        <p:tgtEl>
-                                          <p:spTgt spid="31"/>
-                                        </p:tgtEl>
-                                      </p:cBhvr>
-                                    </p:animEffect>
-                                  </p:childTnLst>
-                                </p:cTn>
-                              </p:par>
-                            </p:childTnLst>
-                          </p:cTn>
-                        </p:par>
-                      </p:childTnLst>
-                    </p:cTn>
-                  </p:par>
-                  <p:par>
-                    <p:cTn id="20" fill="hold">
-                      <p:stCondLst>
-                        <p:cond delay="indefinite"/>
-                      </p:stCondLst>
-                      <p:childTnLst>
-                        <p:par>
-                          <p:cTn id="21" fill="hold">
-                            <p:stCondLst>
-                              <p:cond delay="0"/>
-                            </p:stCondLst>
-                            <p:childTnLst>
-                              <p:par>
-                                <p:cTn id="22" presetID="10" presetClass="entr" presetSubtype="0" fill="hold" nodeType="clickEffect">
-                                  <p:stCondLst>
-                                    <p:cond delay="0"/>
-                                  </p:stCondLst>
-                                  <p:childTnLst>
-                                    <p:set>
-                                      <p:cBhvr>
-                                        <p:cTn id="23" dur="1" fill="hold">
+                                        <p:cTn id="20" dur="1" fill="hold">
                                           <p:stCondLst>
                                             <p:cond delay="0"/>
                                           </p:stCondLst>
@@ -6086,7 +6060,7 @@
                                     </p:set>
                                     <p:animEffect transition="in" filter="fade">
                                       <p:cBhvr>
-                                        <p:cTn id="24" dur="500"/>
+                                        <p:cTn id="21" dur="500"/>
                                         <p:tgtEl>
                                           <p:spTgt spid="34"/>
                                         </p:tgtEl>
@@ -6102,26 +6076,26 @@
                     </p:cTn>
                   </p:par>
                   <p:par>
-                    <p:cTn id="25" fill="hold">
+                    <p:cTn id="22" fill="hold">
                       <p:stCondLst>
                         <p:cond delay="indefinite"/>
                       </p:stCondLst>
                       <p:childTnLst>
                         <p:par>
-                          <p:cTn id="26" fill="hold">
+                          <p:cTn id="23" fill="hold">
                             <p:stCondLst>
                               <p:cond delay="0"/>
                             </p:stCondLst>
                             <p:childTnLst>
                               <p:par>
-                                <p:cTn id="27" presetID="1" presetClass="entr" presetSubtype="0" fill="hold" nodeType="clickEffect">
+                                <p:cTn id="24" presetID="1" presetClass="entr" presetSubtype="0" fill="hold" nodeType="clickEffect">
                                   <p:stCondLst>
                                     <p:cond delay="0"/>
                                   </p:stCondLst>
                                   <p:childTnLst>
                                     <p:set>
                                       <p:cBhvr>
-                                        <p:cTn id="28" dur="1" fill="hold">
+                                        <p:cTn id="25" dur="1" fill="hold">
                                           <p:stCondLst>
                                             <p:cond delay="0"/>
                                           </p:stCondLst>
@@ -6147,26 +6121,26 @@
                     </p:cTn>
                   </p:par>
                   <p:par>
-                    <p:cTn id="29" fill="hold">
+                    <p:cTn id="26" fill="hold">
                       <p:stCondLst>
                         <p:cond delay="indefinite"/>
                       </p:stCondLst>
                       <p:childTnLst>
                         <p:par>
-                          <p:cTn id="30" fill="hold">
+                          <p:cTn id="27" fill="hold">
                             <p:stCondLst>
                               <p:cond delay="0"/>
                             </p:stCondLst>
                             <p:childTnLst>
                               <p:par>
-                                <p:cTn id="31" presetID="1" presetClass="entr" presetSubtype="0" fill="hold" grpId="0" nodeType="clickEffect">
+                                <p:cTn id="28" presetID="1" presetClass="entr" presetSubtype="0" fill="hold" grpId="0" nodeType="clickEffect">
                                   <p:stCondLst>
                                     <p:cond delay="0"/>
                                   </p:stCondLst>
                                   <p:childTnLst>
                                     <p:set>
                                       <p:cBhvr>
-                                        <p:cTn id="32" dur="1" fill="hold">
+                                        <p:cTn id="29" dur="1" fill="hold">
                                           <p:stCondLst>
                                             <p:cond delay="0"/>
                                           </p:stCondLst>
@@ -6175,104 +6149,6 @@
                                           <p:spTgt spid="41">
                                             <p:txEl>
                                               <p:pRg st="0" end="0"/>
-                                            </p:txEl>
-                                          </p:spTgt>
-                                        </p:tgtEl>
-                                        <p:attrNameLst>
-                                          <p:attrName>style.visibility</p:attrName>
-                                        </p:attrNameLst>
-                                      </p:cBhvr>
-                                      <p:to>
-                                        <p:strVal val="visible"/>
-                                      </p:to>
-                                    </p:set>
-                                  </p:childTnLst>
-                                </p:cTn>
-                              </p:par>
-                            </p:childTnLst>
-                          </p:cTn>
-                        </p:par>
-                      </p:childTnLst>
-                    </p:cTn>
-                  </p:par>
-                  <p:par>
-                    <p:cTn id="33" fill="hold">
-                      <p:stCondLst>
-                        <p:cond delay="indefinite"/>
-                      </p:stCondLst>
-                      <p:childTnLst>
-                        <p:par>
-                          <p:cTn id="34" fill="hold">
-                            <p:stCondLst>
-                              <p:cond delay="0"/>
-                            </p:stCondLst>
-                            <p:childTnLst>
-                              <p:par>
-                                <p:cTn id="35" presetID="1" presetClass="entr" presetSubtype="0" fill="hold" grpId="0" nodeType="clickEffect">
-                                  <p:stCondLst>
-                                    <p:cond delay="0"/>
-                                  </p:stCondLst>
-                                  <p:childTnLst>
-                                    <p:set>
-                                      <p:cBhvr>
-                                        <p:cTn id="36" dur="1" fill="hold">
-                                          <p:stCondLst>
-                                            <p:cond delay="0"/>
-                                          </p:stCondLst>
-                                        </p:cTn>
-                                        <p:tgtEl>
-                                          <p:spTgt spid="41">
-                                            <p:txEl>
-                                              <p:pRg st="1" end="1"/>
-                                            </p:txEl>
-                                          </p:spTgt>
-                                        </p:tgtEl>
-                                        <p:attrNameLst>
-                                          <p:attrName>style.visibility</p:attrName>
-                                        </p:attrNameLst>
-                                      </p:cBhvr>
-                                      <p:to>
-                                        <p:strVal val="visible"/>
-                                      </p:to>
-                                    </p:set>
-                                  </p:childTnLst>
-                                </p:cTn>
-                              </p:par>
-                            </p:childTnLst>
-                          </p:cTn>
-                        </p:par>
-                      </p:childTnLst>
-                    </p:cTn>
-                  </p:par>
-                  <p:par>
-                    <p:cTn id="37" fill="hold">
-                      <p:stCondLst>
-                        <p:cond delay="indefinite"/>
-                      </p:stCondLst>
-                      <p:childTnLst>
-                        <p:par>
-                          <p:cTn id="38" fill="hold">
-                            <p:stCondLst>
-                              <p:cond delay="0"/>
-                            </p:stCondLst>
-                            <p:childTnLst>
-                              <p:par>
-                                <p:cTn id="39" presetID="1" presetClass="entr" presetSubtype="0" fill="hold" grpId="0" nodeType="clickEffect">
-                                  <p:stCondLst>
-                                    <p:cond delay="0"/>
-                                  </p:stCondLst>
-                                  <p:childTnLst>
-                                    <p:set>
-                                      <p:cBhvr>
-                                        <p:cTn id="40" dur="1" fill="hold">
-                                          <p:stCondLst>
-                                            <p:cond delay="0"/>
-                                          </p:stCondLst>
-                                        </p:cTn>
-                                        <p:tgtEl>
-                                          <p:spTgt spid="41">
-                                            <p:txEl>
-                                              <p:pRg st="2" end="2"/>
                                             </p:txEl>
                                           </p:spTgt>
                                         </p:tgtEl>
@@ -6316,7 +6192,7 @@
     </p:tnLst>
     <p:bldLst>
       <p:bldP spid="8" grpId="0"/>
-      <p:bldP spid="41" grpId="0" build="p"/>
+      <p:bldP spid="41" grpId="0" uiExpand="1" build="p"/>
     </p:bldLst>
   </p:timing>
 </p:sld>

--- a/how_bitcoin_works/How_01_Cryptographic_Basics.pptx
+++ b/how_bitcoin_works/How_01_Cryptographic_Basics.pptx
@@ -3545,8 +3545,8 @@
         </p:nvSpPr>
         <p:spPr>
           <a:xfrm>
-            <a:off x="6501465" y="2976055"/>
-            <a:ext cx="5381528" cy="830997"/>
+            <a:off x="6112565" y="2975965"/>
+            <a:ext cx="5859880" cy="830997"/>
           </a:xfrm>
           <a:prstGeom prst="rect">
             <a:avLst/>
@@ -3564,7 +3564,7 @@
             </a:pPr>
             <a:r>
               <a:rPr lang="en-US" sz="2400" dirty="0"/>
-              <a:t>Signature = f(message, private key)</a:t>
+              <a:t>Signature = create(message, private key)</a:t>
             </a:r>
           </a:p>
           <a:p>
@@ -3574,7 +3574,7 @@
             </a:pPr>
             <a:r>
               <a:rPr lang="en-US" sz="2400" dirty="0"/>
-              <a:t>1=? V(message, public key, signature)</a:t>
+              <a:t>1=? verify(message, public key, signature)</a:t>
             </a:r>
           </a:p>
         </p:txBody>
@@ -3823,8 +3823,28 @@
                     <a:schemeClr val="tx1"/>
                   </a:solidFill>
                 </a:rPr>
-                <a:t>Input doc</a:t>
+                <a:t>Input</a:t>
               </a:r>
+              <a:br>
+                <a:rPr lang="en-US" altLang="en-US" sz="1800" b="1" dirty="0">
+                  <a:solidFill>
+                    <a:schemeClr val="tx1"/>
+                  </a:solidFill>
+                </a:rPr>
+              </a:br>
+              <a:r>
+                <a:rPr lang="en-US" altLang="en-US" sz="1800" b="1" dirty="0" err="1">
+                  <a:solidFill>
+                    <a:schemeClr val="tx1"/>
+                  </a:solidFill>
+                </a:rPr>
+                <a:t>Msg</a:t>
+              </a:r>
+              <a:endParaRPr lang="en-US" altLang="en-US" sz="1800" b="1" dirty="0">
+                <a:solidFill>
+                  <a:schemeClr val="tx1"/>
+                </a:solidFill>
+              </a:endParaRPr>
             </a:p>
           </p:txBody>
         </p:sp>
@@ -4388,12 +4408,20 @@
             <a:lstStyle/>
             <a:p>
               <a:r>
+                <a:rPr lang="en-US" b="1" dirty="0" err="1">
+                  <a:solidFill>
+                    <a:srgbClr val="FF0000"/>
+                  </a:solidFill>
+                </a:rPr>
+                <a:t>Msg</a:t>
+              </a:r>
+              <a:r>
                 <a:rPr lang="en-US" b="1" dirty="0">
                   <a:solidFill>
                     <a:srgbClr val="FF0000"/>
                   </a:solidFill>
                 </a:rPr>
-                <a:t>Doc, Sig, </a:t>
+                <a:t>, Sig, </a:t>
               </a:r>
               <a:r>
                 <a:rPr lang="en-US" b="1" dirty="0" err="1">
@@ -4698,7 +4726,23 @@
                     <a:schemeClr val="tx1"/>
                   </a:solidFill>
                 </a:rPr>
-                <a:t>1 =? V(doc, sig, </a:t>
+                <a:t>1 =? V(</a:t>
+              </a:r>
+              <a:r>
+                <a:rPr lang="en-US" altLang="en-US" sz="1800" b="1" dirty="0" err="1">
+                  <a:solidFill>
+                    <a:schemeClr val="tx1"/>
+                  </a:solidFill>
+                </a:rPr>
+                <a:t>msg</a:t>
+              </a:r>
+              <a:r>
+                <a:rPr lang="en-US" altLang="en-US" sz="1800" b="1" dirty="0">
+                  <a:solidFill>
+                    <a:schemeClr val="tx1"/>
+                  </a:solidFill>
+                </a:rPr>
+                <a:t>, sig, </a:t>
               </a:r>
               <a:r>
                 <a:rPr lang="en-US" altLang="en-US" sz="1800" b="1" dirty="0" err="1">
@@ -4883,7 +4927,7 @@
             </a:bodyPr>
             <a:lstStyle/>
             <a:p>
-              <a:endParaRPr lang="en-US"/>
+              <a:endParaRPr lang="en-US" dirty="0"/>
             </a:p>
           </p:txBody>
         </p:sp>

--- a/how_bitcoin_works/How_01_Cryptographic_Basics.pptx
+++ b/how_bitcoin_works/How_01_Cryptographic_Basics.pptx
@@ -5,14 +5,15 @@
     <p:sldMasterId id="2147483648" r:id="rId1"/>
   </p:sldMasterIdLst>
   <p:notesMasterIdLst>
-    <p:notesMasterId r:id="rId7"/>
+    <p:notesMasterId r:id="rId8"/>
   </p:notesMasterIdLst>
   <p:sldIdLst>
     <p:sldId id="313" r:id="rId2"/>
-    <p:sldId id="309" r:id="rId3"/>
-    <p:sldId id="306" r:id="rId4"/>
-    <p:sldId id="307" r:id="rId5"/>
-    <p:sldId id="310" r:id="rId6"/>
+    <p:sldId id="314" r:id="rId3"/>
+    <p:sldId id="309" r:id="rId4"/>
+    <p:sldId id="306" r:id="rId5"/>
+    <p:sldId id="307" r:id="rId6"/>
+    <p:sldId id="310" r:id="rId7"/>
   </p:sldIdLst>
   <p:sldSz cx="12192000" cy="6858000"/>
   <p:notesSz cx="6858000" cy="9144000"/>
@@ -117,6 +118,7 @@
         <p14:section name="Default Section" id="{112781BE-91B6-423E-BBF6-7C2F44E8C1A7}">
           <p14:sldIdLst>
             <p14:sldId id="313"/>
+            <p14:sldId id="314"/>
             <p14:sldId id="309"/>
             <p14:sldId id="306"/>
             <p14:sldId id="307"/>
@@ -218,7 +220,7 @@
           <a:p>
             <a:fld id="{997B8459-DB34-44B7-8088-D81CF29DBC4F}" type="datetimeFigureOut">
               <a:rPr lang="en-US" smtClean="0"/>
-              <a:t>6/5/2017</a:t>
+              <a:t>6/7/2017</a:t>
             </a:fld>
             <a:endParaRPr lang="en-US"/>
           </a:p>
@@ -614,7 +616,7 @@
           <a:p>
             <a:fld id="{1A0CC6C9-F88A-4A1A-8FB0-07A130189CC8}" type="datetime1">
               <a:rPr lang="en-US" smtClean="0"/>
-              <a:t>6/5/2017</a:t>
+              <a:t>6/7/2017</a:t>
             </a:fld>
             <a:endParaRPr lang="en-US"/>
           </a:p>
@@ -782,7 +784,7 @@
           <a:p>
             <a:fld id="{662CE6F3-128A-4A7E-948E-31AC50BA5F60}" type="datetime1">
               <a:rPr lang="en-US" smtClean="0"/>
-              <a:t>6/5/2017</a:t>
+              <a:t>6/7/2017</a:t>
             </a:fld>
             <a:endParaRPr lang="en-US"/>
           </a:p>
@@ -960,7 +962,7 @@
           <a:p>
             <a:fld id="{D8EF803D-58A6-4B2B-AD8D-C3D6CC66E6EB}" type="datetime1">
               <a:rPr lang="en-US" smtClean="0"/>
-              <a:t>6/5/2017</a:t>
+              <a:t>6/7/2017</a:t>
             </a:fld>
             <a:endParaRPr lang="en-US"/>
           </a:p>
@@ -1146,7 +1148,7 @@
           <a:p>
             <a:fld id="{519BD8FA-81DB-4BAD-B3C3-CA109C80A853}" type="datetime1">
               <a:rPr lang="en-US" smtClean="0"/>
-              <a:t>6/5/2017</a:t>
+              <a:t>6/7/2017</a:t>
             </a:fld>
             <a:endParaRPr lang="en-US"/>
           </a:p>
@@ -1391,7 +1393,7 @@
           <a:p>
             <a:fld id="{3F6C7022-96DB-48F2-B3FB-BE06C53B7BA1}" type="datetime1">
               <a:rPr lang="en-US" smtClean="0"/>
-              <a:t>6/5/2017</a:t>
+              <a:t>6/7/2017</a:t>
             </a:fld>
             <a:endParaRPr lang="en-US"/>
           </a:p>
@@ -1633,7 +1635,7 @@
           <a:p>
             <a:fld id="{CD2E27BA-B0B3-403B-BCD6-8B8E73844757}" type="datetime1">
               <a:rPr lang="en-US" smtClean="0"/>
-              <a:t>6/5/2017</a:t>
+              <a:t>6/7/2017</a:t>
             </a:fld>
             <a:endParaRPr lang="en-US"/>
           </a:p>
@@ -1997,7 +1999,7 @@
           <a:p>
             <a:fld id="{AB2F35F9-5498-4A6F-8B26-24AF253CCFB1}" type="datetime1">
               <a:rPr lang="en-US" smtClean="0"/>
-              <a:t>6/5/2017</a:t>
+              <a:t>6/7/2017</a:t>
             </a:fld>
             <a:endParaRPr lang="en-US"/>
           </a:p>
@@ -2114,7 +2116,7 @@
           <a:p>
             <a:fld id="{7CF3DE6C-3CCC-462F-8C19-C9BE5AF82050}" type="datetime1">
               <a:rPr lang="en-US" smtClean="0"/>
-              <a:t>6/5/2017</a:t>
+              <a:t>6/7/2017</a:t>
             </a:fld>
             <a:endParaRPr lang="en-US"/>
           </a:p>
@@ -2209,7 +2211,7 @@
           <a:p>
             <a:fld id="{CFF9B72E-B071-4894-9AE8-77A99437A194}" type="datetime1">
               <a:rPr lang="en-US" smtClean="0"/>
-              <a:t>6/5/2017</a:t>
+              <a:t>6/7/2017</a:t>
             </a:fld>
             <a:endParaRPr lang="en-US"/>
           </a:p>
@@ -2484,7 +2486,7 @@
           <a:p>
             <a:fld id="{C8FC85DF-04F6-4067-9D57-5BD634B76237}" type="datetime1">
               <a:rPr lang="en-US" smtClean="0"/>
-              <a:t>6/5/2017</a:t>
+              <a:t>6/7/2017</a:t>
             </a:fld>
             <a:endParaRPr lang="en-US"/>
           </a:p>
@@ -2736,7 +2738,7 @@
           <a:p>
             <a:fld id="{F482CF38-5737-4019-A5EB-32F20C60B120}" type="datetime1">
               <a:rPr lang="en-US" smtClean="0"/>
-              <a:t>6/5/2017</a:t>
+              <a:t>6/7/2017</a:t>
             </a:fld>
             <a:endParaRPr lang="en-US"/>
           </a:p>
@@ -2947,7 +2949,7 @@
           <a:p>
             <a:fld id="{71B3BB5B-EB4F-4885-9330-962C885E153D}" type="datetime1">
               <a:rPr lang="en-US" smtClean="0"/>
-              <a:t>6/5/2017</a:t>
+              <a:t>6/7/2017</a:t>
             </a:fld>
             <a:endParaRPr lang="en-US"/>
           </a:p>
@@ -5827,65 +5829,6 @@
           </p:txBody>
         </p:sp>
       </p:grpSp>
-      <p:sp>
-        <p:nvSpPr>
-          <p:cNvPr id="41" name="Content Placeholder 2">
-            <a:extLst>
-              <a:ext uri="{FF2B5EF4-FFF2-40B4-BE49-F238E27FC236}">
-                <a16:creationId xmlns:a16="http://schemas.microsoft.com/office/drawing/2014/main" id="{098E222B-FFC1-4CC5-A9A7-5EB28414A5FD}"/>
-              </a:ext>
-            </a:extLst>
-          </p:cNvPr>
-          <p:cNvSpPr>
-            <a:spLocks noGrp="1"/>
-          </p:cNvSpPr>
-          <p:nvPr>
-            <p:ph idx="1"/>
-          </p:nvPr>
-        </p:nvSpPr>
-        <p:spPr>
-          <a:xfrm>
-            <a:off x="7359892" y="4665219"/>
-            <a:ext cx="4170965" cy="1217362"/>
-          </a:xfrm>
-        </p:spPr>
-        <p:txBody>
-          <a:bodyPr>
-            <a:normAutofit/>
-          </a:bodyPr>
-          <a:lstStyle/>
-          <a:p>
-            <a:pPr marL="0" indent="0">
-              <a:buNone/>
-            </a:pPr>
-            <a:r>
-              <a:rPr lang="en-US" sz="2000" dirty="0"/>
-              <a:t>Digital Signature Math in Bitcoin</a:t>
-            </a:r>
-          </a:p>
-          <a:p>
-            <a:r>
-              <a:rPr lang="en-US" sz="2000" dirty="0" err="1"/>
-              <a:t>ecdsa</a:t>
-            </a:r>
-            <a:r>
-              <a:rPr lang="en-US" sz="2000" dirty="0"/>
-              <a:t>  </a:t>
-            </a:r>
-            <a:r>
-              <a:rPr lang="en-US" sz="1400" dirty="0"/>
-              <a:t>(elliptic curve digital signature algorithm)</a:t>
-            </a:r>
-            <a:endParaRPr lang="en-US" sz="2000" dirty="0"/>
-          </a:p>
-          <a:p>
-            <a:r>
-              <a:rPr lang="en-US" sz="2000" dirty="0"/>
-              <a:t>”mathematical trap door”</a:t>
-            </a:r>
-          </a:p>
-        </p:txBody>
-      </p:sp>
     </p:spTree>
     <p:extLst>
       <p:ext uri="{BB962C8B-B14F-4D97-AF65-F5344CB8AC3E}">
@@ -6164,55 +6107,6 @@
                       </p:childTnLst>
                     </p:cTn>
                   </p:par>
-                  <p:par>
-                    <p:cTn id="26" fill="hold">
-                      <p:stCondLst>
-                        <p:cond delay="indefinite"/>
-                      </p:stCondLst>
-                      <p:childTnLst>
-                        <p:par>
-                          <p:cTn id="27" fill="hold">
-                            <p:stCondLst>
-                              <p:cond delay="0"/>
-                            </p:stCondLst>
-                            <p:childTnLst>
-                              <p:par>
-                                <p:cTn id="28" presetID="1" presetClass="entr" presetSubtype="0" fill="hold" grpId="0" nodeType="clickEffect">
-                                  <p:stCondLst>
-                                    <p:cond delay="0"/>
-                                  </p:stCondLst>
-                                  <p:childTnLst>
-                                    <p:set>
-                                      <p:cBhvr>
-                                        <p:cTn id="29" dur="1" fill="hold">
-                                          <p:stCondLst>
-                                            <p:cond delay="0"/>
-                                          </p:stCondLst>
-                                        </p:cTn>
-                                        <p:tgtEl>
-                                          <p:spTgt spid="41">
-                                            <p:txEl>
-                                              <p:pRg st="0" end="0"/>
-                                            </p:txEl>
-                                          </p:spTgt>
-                                        </p:tgtEl>
-                                        <p:attrNameLst>
-                                          <p:attrName>style.visibility</p:attrName>
-                                        </p:attrNameLst>
-                                      </p:cBhvr>
-                                      <p:to>
-                                        <p:strVal val="visible"/>
-                                      </p:to>
-                                    </p:set>
-                                  </p:childTnLst>
-                                </p:cTn>
-                              </p:par>
-                            </p:childTnLst>
-                          </p:cTn>
-                        </p:par>
-                      </p:childTnLst>
-                    </p:cTn>
-                  </p:par>
                 </p:childTnLst>
               </p:cTn>
               <p:prevCondLst>
@@ -6236,13 +6130,2607 @@
     </p:tnLst>
     <p:bldLst>
       <p:bldP spid="8" grpId="0"/>
-      <p:bldP spid="41" grpId="0" uiExpand="1" build="p"/>
     </p:bldLst>
   </p:timing>
 </p:sld>
 </file>
 
 <file path=ppt/slides/slide2.xml><?xml version="1.0" encoding="utf-8"?>
+<p:sld xmlns:a="http://schemas.openxmlformats.org/drawingml/2006/main" xmlns:r="http://schemas.openxmlformats.org/officeDocument/2006/relationships" xmlns:p="http://schemas.openxmlformats.org/presentationml/2006/main">
+  <p:cSld>
+    <p:spTree>
+      <p:nvGrpSpPr>
+        <p:cNvPr id="1" name=""/>
+        <p:cNvGrpSpPr/>
+        <p:nvPr/>
+      </p:nvGrpSpPr>
+      <p:grpSpPr>
+        <a:xfrm>
+          <a:off x="0" y="0"/>
+          <a:ext cx="0" cy="0"/>
+          <a:chOff x="0" y="0"/>
+          <a:chExt cx="0" cy="0"/>
+        </a:xfrm>
+      </p:grpSpPr>
+      <p:sp>
+        <p:nvSpPr>
+          <p:cNvPr id="2" name="Title 1">
+            <a:extLst>
+              <a:ext uri="{FF2B5EF4-FFF2-40B4-BE49-F238E27FC236}">
+                <a16:creationId xmlns:a16="http://schemas.microsoft.com/office/drawing/2014/main" id="{0D270716-35CB-4EB4-9161-C31BCDA0F5FB}"/>
+              </a:ext>
+            </a:extLst>
+          </p:cNvPr>
+          <p:cNvSpPr>
+            <a:spLocks noGrp="1"/>
+          </p:cNvSpPr>
+          <p:nvPr>
+            <p:ph type="title"/>
+          </p:nvPr>
+        </p:nvSpPr>
+        <p:spPr/>
+        <p:txBody>
+          <a:bodyPr>
+            <a:normAutofit fontScale="90000"/>
+          </a:bodyPr>
+          <a:lstStyle/>
+          <a:p>
+            <a:r>
+              <a:rPr lang="en-US" altLang="en-US" dirty="0"/>
+              <a:t> Cryptographic Basics - Digital Signatures 2</a:t>
+            </a:r>
+            <a:endParaRPr lang="en-US" dirty="0"/>
+          </a:p>
+        </p:txBody>
+      </p:sp>
+      <p:sp>
+        <p:nvSpPr>
+          <p:cNvPr id="4" name="Slide Number Placeholder 3">
+            <a:extLst>
+              <a:ext uri="{FF2B5EF4-FFF2-40B4-BE49-F238E27FC236}">
+                <a16:creationId xmlns:a16="http://schemas.microsoft.com/office/drawing/2014/main" id="{AF50341B-85C2-45CD-9F33-07265BAA01D2}"/>
+              </a:ext>
+            </a:extLst>
+          </p:cNvPr>
+          <p:cNvSpPr>
+            <a:spLocks noGrp="1"/>
+          </p:cNvSpPr>
+          <p:nvPr>
+            <p:ph type="sldNum" sz="quarter" idx="12"/>
+          </p:nvPr>
+        </p:nvSpPr>
+        <p:spPr/>
+        <p:txBody>
+          <a:bodyPr/>
+          <a:lstStyle/>
+          <a:p>
+            <a:fld id="{656EEF9C-D8EE-4444-AD18-FDA4DCDDF73B}" type="slidenum">
+              <a:rPr lang="en-US" smtClean="0"/>
+              <a:t>2</a:t>
+            </a:fld>
+            <a:endParaRPr lang="en-US"/>
+          </a:p>
+        </p:txBody>
+      </p:sp>
+      <p:pic>
+        <p:nvPicPr>
+          <p:cNvPr id="5" name="Picture 3" descr="C:\Documents and Settings\compaq\Desktop\cca-pki\strip1.gif">
+            <a:extLst>
+              <a:ext uri="{FF2B5EF4-FFF2-40B4-BE49-F238E27FC236}">
+                <a16:creationId xmlns:a16="http://schemas.microsoft.com/office/drawing/2014/main" id="{037A8A52-4831-4D65-BF72-5D5E5BD87BD8}"/>
+              </a:ext>
+            </a:extLst>
+          </p:cNvPr>
+          <p:cNvPicPr>
+            <a:picLocks noChangeAspect="1" noChangeArrowheads="1"/>
+          </p:cNvPicPr>
+          <p:nvPr/>
+        </p:nvPicPr>
+        <p:blipFill>
+          <a:blip r:embed="rId2">
+            <a:extLst>
+              <a:ext uri="{28A0092B-C50C-407E-A947-70E740481C1C}">
+                <a14:useLocalDpi xmlns:a14="http://schemas.microsoft.com/office/drawing/2010/main" val="0"/>
+              </a:ext>
+            </a:extLst>
+          </a:blip>
+          <a:srcRect/>
+          <a:stretch>
+            <a:fillRect/>
+          </a:stretch>
+        </p:blipFill>
+        <p:spPr bwMode="auto">
+          <a:xfrm>
+            <a:off x="2421466" y="1003300"/>
+            <a:ext cx="7620000" cy="76200"/>
+          </a:xfrm>
+          <a:prstGeom prst="rect">
+            <a:avLst/>
+          </a:prstGeom>
+          <a:noFill/>
+          <a:ln>
+            <a:noFill/>
+          </a:ln>
+          <a:extLst>
+            <a:ext uri="{909E8E84-426E-40DD-AFC4-6F175D3DCCD1}">
+              <a14:hiddenFill xmlns:a14="http://schemas.microsoft.com/office/drawing/2010/main">
+                <a:solidFill>
+                  <a:srgbClr val="FFFFFF"/>
+                </a:solidFill>
+              </a14:hiddenFill>
+            </a:ext>
+            <a:ext uri="{91240B29-F687-4F45-9708-019B960494DF}">
+              <a14:hiddenLine xmlns:a14="http://schemas.microsoft.com/office/drawing/2010/main" w="9525">
+                <a:solidFill>
+                  <a:srgbClr val="000000"/>
+                </a:solidFill>
+                <a:miter lim="800000"/>
+                <a:headEnd/>
+                <a:tailEnd/>
+              </a14:hiddenLine>
+            </a:ext>
+          </a:extLst>
+        </p:spPr>
+      </p:pic>
+      <p:sp>
+        <p:nvSpPr>
+          <p:cNvPr id="7" name="Rectangle 6">
+            <a:extLst>
+              <a:ext uri="{FF2B5EF4-FFF2-40B4-BE49-F238E27FC236}">
+                <a16:creationId xmlns:a16="http://schemas.microsoft.com/office/drawing/2014/main" id="{CC31CE62-D200-4B3C-867B-3342180D3075}"/>
+              </a:ext>
+            </a:extLst>
+          </p:cNvPr>
+          <p:cNvSpPr>
+            <a:spLocks noChangeArrowheads="1"/>
+          </p:cNvSpPr>
+          <p:nvPr/>
+        </p:nvSpPr>
+        <p:spPr bwMode="auto">
+          <a:xfrm>
+            <a:off x="6979350" y="3000375"/>
+            <a:ext cx="962025" cy="719138"/>
+          </a:xfrm>
+          <a:prstGeom prst="rect">
+            <a:avLst/>
+          </a:prstGeom>
+          <a:gradFill rotWithShape="0">
+            <a:gsLst>
+              <a:gs pos="0">
+                <a:srgbClr val="000099"/>
+              </a:gs>
+              <a:gs pos="50000">
+                <a:srgbClr val="FFFFCC"/>
+              </a:gs>
+              <a:gs pos="100000">
+                <a:srgbClr val="000099"/>
+              </a:gs>
+            </a:gsLst>
+            <a:lin ang="2700000" scaled="1"/>
+          </a:gradFill>
+          <a:ln w="12700">
+            <a:noFill/>
+            <a:miter lim="800000"/>
+            <a:headEnd/>
+            <a:tailEnd/>
+          </a:ln>
+          <a:effectLst>
+            <a:outerShdw dist="107763" dir="2700000" algn="ctr" rotWithShape="0">
+              <a:schemeClr val="bg2"/>
+            </a:outerShdw>
+          </a:effectLst>
+        </p:spPr>
+        <p:txBody>
+          <a:bodyPr wrap="none" lIns="90488" tIns="44450" rIns="90488" bIns="44450" anchor="ctr"/>
+          <a:lstStyle/>
+          <a:p>
+            <a:pPr algn="ctr" eaLnBrk="0" hangingPunct="0">
+              <a:defRPr/>
+            </a:pPr>
+            <a:r>
+              <a:rPr lang="en-US" sz="1400" b="1">
+                <a:latin typeface="Arial" pitchFamily="34" charset="0"/>
+                <a:cs typeface="+mn-cs"/>
+              </a:rPr>
+              <a:t>Message</a:t>
+            </a:r>
+          </a:p>
+          <a:p>
+            <a:pPr algn="ctr" eaLnBrk="0" hangingPunct="0">
+              <a:defRPr/>
+            </a:pPr>
+            <a:r>
+              <a:rPr lang="en-US" sz="1400" b="1">
+                <a:latin typeface="Arial" pitchFamily="34" charset="0"/>
+                <a:cs typeface="+mn-cs"/>
+              </a:rPr>
+              <a:t>+</a:t>
+            </a:r>
+          </a:p>
+          <a:p>
+            <a:pPr algn="ctr" eaLnBrk="0" hangingPunct="0">
+              <a:defRPr/>
+            </a:pPr>
+            <a:r>
+              <a:rPr lang="en-US" sz="1400" b="1">
+                <a:latin typeface="Arial" pitchFamily="34" charset="0"/>
+                <a:cs typeface="+mn-cs"/>
+              </a:rPr>
+              <a:t>Signature</a:t>
+            </a:r>
+          </a:p>
+        </p:txBody>
+      </p:sp>
+      <p:sp>
+        <p:nvSpPr>
+          <p:cNvPr id="8" name="Rectangle 7">
+            <a:extLst>
+              <a:ext uri="{FF2B5EF4-FFF2-40B4-BE49-F238E27FC236}">
+                <a16:creationId xmlns:a16="http://schemas.microsoft.com/office/drawing/2014/main" id="{2F6DD6D5-8F3F-4ED7-AD4B-FA11FC209BE5}"/>
+              </a:ext>
+            </a:extLst>
+          </p:cNvPr>
+          <p:cNvSpPr>
+            <a:spLocks noChangeArrowheads="1"/>
+          </p:cNvSpPr>
+          <p:nvPr/>
+        </p:nvSpPr>
+        <p:spPr bwMode="auto">
+          <a:xfrm>
+            <a:off x="1615188" y="3914775"/>
+            <a:ext cx="474662" cy="292100"/>
+          </a:xfrm>
+          <a:prstGeom prst="rect">
+            <a:avLst/>
+          </a:prstGeom>
+          <a:gradFill rotWithShape="0">
+            <a:gsLst>
+              <a:gs pos="0">
+                <a:srgbClr val="000099"/>
+              </a:gs>
+              <a:gs pos="50000">
+                <a:srgbClr val="FFFFCC"/>
+              </a:gs>
+              <a:gs pos="100000">
+                <a:srgbClr val="000099"/>
+              </a:gs>
+            </a:gsLst>
+            <a:lin ang="2700000" scaled="1"/>
+          </a:gradFill>
+          <a:ln w="12700">
+            <a:noFill/>
+            <a:miter lim="800000"/>
+            <a:headEnd/>
+            <a:tailEnd/>
+          </a:ln>
+          <a:effectLst>
+            <a:outerShdw dist="107763" dir="2700000" algn="ctr" rotWithShape="0">
+              <a:schemeClr val="bg2"/>
+            </a:outerShdw>
+          </a:effectLst>
+        </p:spPr>
+        <p:txBody>
+          <a:bodyPr wrap="none" lIns="90488" tIns="44450" rIns="90488" bIns="44450" anchor="ctr"/>
+          <a:lstStyle/>
+          <a:p>
+            <a:pPr algn="ctr" eaLnBrk="0" hangingPunct="0">
+              <a:defRPr/>
+            </a:pPr>
+            <a:r>
+              <a:rPr lang="en-US" sz="1400" b="1">
+                <a:latin typeface="Arial" pitchFamily="34" charset="0"/>
+                <a:cs typeface="+mn-cs"/>
+              </a:rPr>
+              <a:t>Hash</a:t>
+            </a:r>
+          </a:p>
+        </p:txBody>
+      </p:sp>
+      <p:sp>
+        <p:nvSpPr>
+          <p:cNvPr id="9" name="Rectangle 8">
+            <a:extLst>
+              <a:ext uri="{FF2B5EF4-FFF2-40B4-BE49-F238E27FC236}">
+                <a16:creationId xmlns:a16="http://schemas.microsoft.com/office/drawing/2014/main" id="{1E491E3C-1AA3-41DC-8F1E-DE96ED138C59}"/>
+              </a:ext>
+            </a:extLst>
+          </p:cNvPr>
+          <p:cNvSpPr>
+            <a:spLocks noChangeArrowheads="1"/>
+          </p:cNvSpPr>
+          <p:nvPr/>
+        </p:nvSpPr>
+        <p:spPr bwMode="auto">
+          <a:xfrm>
+            <a:off x="8041388" y="5362575"/>
+            <a:ext cx="1308100" cy="993775"/>
+          </a:xfrm>
+          <a:prstGeom prst="rect">
+            <a:avLst/>
+          </a:prstGeom>
+          <a:gradFill rotWithShape="0">
+            <a:gsLst>
+              <a:gs pos="0">
+                <a:srgbClr val="000099"/>
+              </a:gs>
+              <a:gs pos="50000">
+                <a:srgbClr val="FFFFCC"/>
+              </a:gs>
+              <a:gs pos="100000">
+                <a:srgbClr val="000099"/>
+              </a:gs>
+            </a:gsLst>
+            <a:lin ang="2700000" scaled="1"/>
+          </a:gradFill>
+          <a:ln w="12700">
+            <a:noFill/>
+            <a:miter lim="800000"/>
+            <a:headEnd/>
+            <a:tailEnd/>
+          </a:ln>
+          <a:effectLst>
+            <a:outerShdw dist="107763" dir="2700000" algn="ctr" rotWithShape="0">
+              <a:schemeClr val="bg2"/>
+            </a:outerShdw>
+          </a:effectLst>
+        </p:spPr>
+        <p:txBody>
+          <a:bodyPr wrap="none" lIns="90488" tIns="44450" rIns="90488" bIns="44450" anchor="ctr"/>
+          <a:lstStyle/>
+          <a:p>
+            <a:pPr eaLnBrk="0" hangingPunct="0">
+              <a:defRPr/>
+            </a:pPr>
+            <a:r>
+              <a:rPr lang="en-US" sz="1400" b="1">
+                <a:latin typeface="Arial" pitchFamily="34" charset="0"/>
+                <a:cs typeface="+mn-cs"/>
+              </a:rPr>
+              <a:t>Decrypt</a:t>
+            </a:r>
+          </a:p>
+          <a:p>
+            <a:pPr eaLnBrk="0" hangingPunct="0">
+              <a:defRPr/>
+            </a:pPr>
+            <a:r>
+              <a:rPr lang="en-US" sz="1400" b="1">
+                <a:latin typeface="Arial" pitchFamily="34" charset="0"/>
+                <a:cs typeface="+mn-cs"/>
+              </a:rPr>
+              <a:t>Signature</a:t>
+            </a:r>
+          </a:p>
+          <a:p>
+            <a:pPr eaLnBrk="0" hangingPunct="0">
+              <a:defRPr/>
+            </a:pPr>
+            <a:r>
+              <a:rPr lang="en-US" sz="1400" b="1">
+                <a:latin typeface="Arial" pitchFamily="34" charset="0"/>
+                <a:cs typeface="+mn-cs"/>
+              </a:rPr>
+              <a:t>With </a:t>
+            </a:r>
+            <a:r>
+              <a:rPr lang="en-US" sz="1400" b="1" i="1">
+                <a:solidFill>
+                  <a:srgbClr val="CC0000"/>
+                </a:solidFill>
+                <a:latin typeface="Arial" pitchFamily="34" charset="0"/>
+                <a:cs typeface="+mn-cs"/>
+              </a:rPr>
+              <a:t>Sender’s </a:t>
+            </a:r>
+          </a:p>
+          <a:p>
+            <a:pPr eaLnBrk="0" hangingPunct="0">
+              <a:defRPr/>
+            </a:pPr>
+            <a:r>
+              <a:rPr lang="en-US" sz="1400" b="1" i="1">
+                <a:solidFill>
+                  <a:srgbClr val="CC0000"/>
+                </a:solidFill>
+                <a:latin typeface="Arial" pitchFamily="34" charset="0"/>
+                <a:cs typeface="+mn-cs"/>
+              </a:rPr>
+              <a:t>Public Key</a:t>
+            </a:r>
+          </a:p>
+        </p:txBody>
+      </p:sp>
+      <p:sp>
+        <p:nvSpPr>
+          <p:cNvPr id="10" name="Rectangle 9">
+            <a:extLst>
+              <a:ext uri="{FF2B5EF4-FFF2-40B4-BE49-F238E27FC236}">
+                <a16:creationId xmlns:a16="http://schemas.microsoft.com/office/drawing/2014/main" id="{BED31AA3-D968-4140-9857-8F1F1EE3B3EC}"/>
+              </a:ext>
+            </a:extLst>
+          </p:cNvPr>
+          <p:cNvSpPr>
+            <a:spLocks noChangeArrowheads="1"/>
+          </p:cNvSpPr>
+          <p:nvPr/>
+        </p:nvSpPr>
+        <p:spPr bwMode="auto">
+          <a:xfrm>
+            <a:off x="2324800" y="4524375"/>
+            <a:ext cx="1325563" cy="963613"/>
+          </a:xfrm>
+          <a:prstGeom prst="rect">
+            <a:avLst/>
+          </a:prstGeom>
+          <a:gradFill rotWithShape="0">
+            <a:gsLst>
+              <a:gs pos="0">
+                <a:srgbClr val="000099"/>
+              </a:gs>
+              <a:gs pos="50000">
+                <a:srgbClr val="FFFFCC"/>
+              </a:gs>
+              <a:gs pos="100000">
+                <a:srgbClr val="000099"/>
+              </a:gs>
+            </a:gsLst>
+            <a:lin ang="2700000" scaled="1"/>
+          </a:gradFill>
+          <a:ln w="12700">
+            <a:noFill/>
+            <a:miter lim="800000"/>
+            <a:headEnd/>
+            <a:tailEnd/>
+          </a:ln>
+          <a:effectLst>
+            <a:outerShdw dist="107763" dir="2700000" algn="ctr" rotWithShape="0">
+              <a:schemeClr val="bg2"/>
+            </a:outerShdw>
+          </a:effectLst>
+        </p:spPr>
+        <p:txBody>
+          <a:bodyPr wrap="none" lIns="90488" tIns="44450" rIns="90488" bIns="44450" anchor="ctr"/>
+          <a:lstStyle/>
+          <a:p>
+            <a:pPr eaLnBrk="0" hangingPunct="0">
+              <a:defRPr/>
+            </a:pPr>
+            <a:r>
+              <a:rPr lang="en-US" sz="1400" b="1">
+                <a:latin typeface="Arial" pitchFamily="34" charset="0"/>
+                <a:cs typeface="+mn-cs"/>
+              </a:rPr>
+              <a:t>SIGN hash</a:t>
+            </a:r>
+          </a:p>
+          <a:p>
+            <a:pPr eaLnBrk="0" hangingPunct="0">
+              <a:defRPr/>
+            </a:pPr>
+            <a:r>
+              <a:rPr lang="en-US" sz="1400" b="1">
+                <a:latin typeface="Arial" pitchFamily="34" charset="0"/>
+                <a:cs typeface="+mn-cs"/>
+              </a:rPr>
+              <a:t>With </a:t>
+            </a:r>
+            <a:r>
+              <a:rPr lang="en-US" sz="1400" b="1" i="1">
+                <a:solidFill>
+                  <a:srgbClr val="CC0000"/>
+                </a:solidFill>
+                <a:latin typeface="Arial" pitchFamily="34" charset="0"/>
+                <a:cs typeface="+mn-cs"/>
+              </a:rPr>
+              <a:t>Sender’s </a:t>
+            </a:r>
+          </a:p>
+          <a:p>
+            <a:pPr eaLnBrk="0" hangingPunct="0">
+              <a:defRPr/>
+            </a:pPr>
+            <a:r>
+              <a:rPr lang="en-US" sz="1400" b="1" i="1">
+                <a:solidFill>
+                  <a:srgbClr val="CC0000"/>
+                </a:solidFill>
+                <a:latin typeface="Arial" pitchFamily="34" charset="0"/>
+                <a:cs typeface="+mn-cs"/>
+              </a:rPr>
+              <a:t>Private key</a:t>
+            </a:r>
+          </a:p>
+        </p:txBody>
+      </p:sp>
+      <p:sp>
+        <p:nvSpPr>
+          <p:cNvPr id="11" name="Rectangle 10">
+            <a:extLst>
+              <a:ext uri="{FF2B5EF4-FFF2-40B4-BE49-F238E27FC236}">
+                <a16:creationId xmlns:a16="http://schemas.microsoft.com/office/drawing/2014/main" id="{0281494D-FF9F-4080-AFCD-B5D45063241F}"/>
+              </a:ext>
+            </a:extLst>
+          </p:cNvPr>
+          <p:cNvSpPr>
+            <a:spLocks noChangeArrowheads="1"/>
+          </p:cNvSpPr>
+          <p:nvPr/>
+        </p:nvSpPr>
+        <p:spPr bwMode="auto">
+          <a:xfrm>
+            <a:off x="2212088" y="2876550"/>
+            <a:ext cx="963612" cy="719138"/>
+          </a:xfrm>
+          <a:prstGeom prst="rect">
+            <a:avLst/>
+          </a:prstGeom>
+          <a:gradFill rotWithShape="0">
+            <a:gsLst>
+              <a:gs pos="0">
+                <a:srgbClr val="000099"/>
+              </a:gs>
+              <a:gs pos="50000">
+                <a:srgbClr val="FFFFCC"/>
+              </a:gs>
+              <a:gs pos="100000">
+                <a:srgbClr val="000099"/>
+              </a:gs>
+            </a:gsLst>
+            <a:lin ang="2700000" scaled="1"/>
+          </a:gradFill>
+          <a:ln w="12700">
+            <a:noFill/>
+            <a:miter lim="800000"/>
+            <a:headEnd/>
+            <a:tailEnd/>
+          </a:ln>
+          <a:effectLst>
+            <a:outerShdw dist="107763" dir="2700000" algn="ctr" rotWithShape="0">
+              <a:schemeClr val="bg2"/>
+            </a:outerShdw>
+          </a:effectLst>
+        </p:spPr>
+        <p:txBody>
+          <a:bodyPr wrap="none" lIns="90488" tIns="44450" rIns="90488" bIns="44450" anchor="ctr"/>
+          <a:lstStyle/>
+          <a:p>
+            <a:pPr algn="ctr" eaLnBrk="0" hangingPunct="0">
+              <a:defRPr/>
+            </a:pPr>
+            <a:r>
+              <a:rPr lang="en-US" sz="1400" b="1">
+                <a:latin typeface="Arial" pitchFamily="34" charset="0"/>
+                <a:cs typeface="+mn-cs"/>
+              </a:rPr>
+              <a:t>Message</a:t>
+            </a:r>
+          </a:p>
+          <a:p>
+            <a:pPr algn="ctr" eaLnBrk="0" hangingPunct="0">
+              <a:defRPr/>
+            </a:pPr>
+            <a:r>
+              <a:rPr lang="en-US" sz="1400" b="1">
+                <a:latin typeface="Arial" pitchFamily="34" charset="0"/>
+                <a:cs typeface="+mn-cs"/>
+              </a:rPr>
+              <a:t>+</a:t>
+            </a:r>
+          </a:p>
+          <a:p>
+            <a:pPr algn="ctr" eaLnBrk="0" hangingPunct="0">
+              <a:defRPr/>
+            </a:pPr>
+            <a:r>
+              <a:rPr lang="en-US" sz="1400" b="1">
+                <a:latin typeface="Arial" pitchFamily="34" charset="0"/>
+                <a:cs typeface="+mn-cs"/>
+              </a:rPr>
+              <a:t>signature</a:t>
+            </a:r>
+          </a:p>
+        </p:txBody>
+      </p:sp>
+      <p:sp>
+        <p:nvSpPr>
+          <p:cNvPr id="12" name="Oval 11">
+            <a:extLst>
+              <a:ext uri="{FF2B5EF4-FFF2-40B4-BE49-F238E27FC236}">
+                <a16:creationId xmlns:a16="http://schemas.microsoft.com/office/drawing/2014/main" id="{4DC68CC5-B1F9-4A84-8288-D5C60467D577}"/>
+              </a:ext>
+            </a:extLst>
+          </p:cNvPr>
+          <p:cNvSpPr>
+            <a:spLocks noChangeArrowheads="1"/>
+          </p:cNvSpPr>
+          <p:nvPr/>
+        </p:nvSpPr>
+        <p:spPr bwMode="auto">
+          <a:xfrm>
+            <a:off x="8077900" y="3686175"/>
+            <a:ext cx="1143000" cy="368300"/>
+          </a:xfrm>
+          <a:prstGeom prst="ellipse">
+            <a:avLst/>
+          </a:prstGeom>
+          <a:gradFill rotWithShape="0">
+            <a:gsLst>
+              <a:gs pos="0">
+                <a:srgbClr val="000099"/>
+              </a:gs>
+              <a:gs pos="50000">
+                <a:srgbClr val="FFFFCC"/>
+              </a:gs>
+              <a:gs pos="100000">
+                <a:srgbClr val="000099"/>
+              </a:gs>
+            </a:gsLst>
+            <a:lin ang="2700000" scaled="1"/>
+          </a:gradFill>
+          <a:ln w="12700">
+            <a:noFill/>
+            <a:round/>
+            <a:headEnd/>
+            <a:tailEnd/>
+          </a:ln>
+          <a:effectLst>
+            <a:outerShdw dist="107763" dir="2700000" algn="ctr" rotWithShape="0">
+              <a:schemeClr val="bg2"/>
+            </a:outerShdw>
+          </a:effectLst>
+        </p:spPr>
+        <p:txBody>
+          <a:bodyPr wrap="none" lIns="90488" tIns="44450" rIns="90488" bIns="44450" anchor="ctr"/>
+          <a:lstStyle/>
+          <a:p>
+            <a:pPr algn="ctr" eaLnBrk="0" hangingPunct="0">
+              <a:defRPr/>
+            </a:pPr>
+            <a:r>
+              <a:rPr lang="en-US" sz="1400" b="1">
+                <a:latin typeface="Arial" pitchFamily="34" charset="0"/>
+                <a:cs typeface="+mn-cs"/>
+              </a:rPr>
+              <a:t>COMPARE</a:t>
+            </a:r>
+          </a:p>
+        </p:txBody>
+      </p:sp>
+      <p:sp>
+        <p:nvSpPr>
+          <p:cNvPr id="13" name="Rectangle 12">
+            <a:extLst>
+              <a:ext uri="{FF2B5EF4-FFF2-40B4-BE49-F238E27FC236}">
+                <a16:creationId xmlns:a16="http://schemas.microsoft.com/office/drawing/2014/main" id="{F41EA2D3-F0B1-42A5-BBC7-E776AFB90E9D}"/>
+              </a:ext>
+            </a:extLst>
+          </p:cNvPr>
+          <p:cNvSpPr>
+            <a:spLocks noChangeArrowheads="1"/>
+          </p:cNvSpPr>
+          <p:nvPr/>
+        </p:nvSpPr>
+        <p:spPr bwMode="auto">
+          <a:xfrm>
+            <a:off x="8176325" y="1857375"/>
+            <a:ext cx="976313" cy="533400"/>
+          </a:xfrm>
+          <a:prstGeom prst="rect">
+            <a:avLst/>
+          </a:prstGeom>
+          <a:gradFill rotWithShape="0">
+            <a:gsLst>
+              <a:gs pos="0">
+                <a:srgbClr val="000099"/>
+              </a:gs>
+              <a:gs pos="50000">
+                <a:srgbClr val="FFFFCC"/>
+              </a:gs>
+              <a:gs pos="100000">
+                <a:srgbClr val="000099"/>
+              </a:gs>
+            </a:gsLst>
+            <a:lin ang="2700000" scaled="1"/>
+          </a:gradFill>
+          <a:ln w="12700">
+            <a:noFill/>
+            <a:miter lim="800000"/>
+            <a:headEnd/>
+            <a:tailEnd/>
+          </a:ln>
+          <a:effectLst>
+            <a:outerShdw dist="107763" dir="2700000" algn="ctr" rotWithShape="0">
+              <a:schemeClr val="bg2"/>
+            </a:outerShdw>
+          </a:effectLst>
+        </p:spPr>
+        <p:txBody>
+          <a:bodyPr wrap="none" lIns="90488" tIns="44450" rIns="90488" bIns="44450" anchor="ctr"/>
+          <a:lstStyle/>
+          <a:p>
+            <a:pPr algn="ctr" eaLnBrk="0" hangingPunct="0">
+              <a:defRPr/>
+            </a:pPr>
+            <a:r>
+              <a:rPr lang="en-US" sz="1400" b="1">
+                <a:latin typeface="Arial" pitchFamily="34" charset="0"/>
+                <a:cs typeface="+mn-cs"/>
+              </a:rPr>
+              <a:t>Calculated </a:t>
+            </a:r>
+          </a:p>
+          <a:p>
+            <a:pPr algn="ctr" eaLnBrk="0" hangingPunct="0">
+              <a:defRPr/>
+            </a:pPr>
+            <a:r>
+              <a:rPr lang="en-US" sz="1400" b="1">
+                <a:latin typeface="Arial" pitchFamily="34" charset="0"/>
+                <a:cs typeface="+mn-cs"/>
+              </a:rPr>
+              <a:t>Hash</a:t>
+            </a:r>
+          </a:p>
+        </p:txBody>
+      </p:sp>
+      <p:sp>
+        <p:nvSpPr>
+          <p:cNvPr id="14" name="Rectangle 13">
+            <a:extLst>
+              <a:ext uri="{FF2B5EF4-FFF2-40B4-BE49-F238E27FC236}">
+                <a16:creationId xmlns:a16="http://schemas.microsoft.com/office/drawing/2014/main" id="{2087CFE6-3EE1-47EE-AA2E-EEC094A97F6D}"/>
+              </a:ext>
+            </a:extLst>
+          </p:cNvPr>
+          <p:cNvSpPr>
+            <a:spLocks noChangeArrowheads="1"/>
+          </p:cNvSpPr>
+          <p:nvPr/>
+        </p:nvSpPr>
+        <p:spPr bwMode="auto">
+          <a:xfrm>
+            <a:off x="1592963" y="2085975"/>
+            <a:ext cx="1038225" cy="333375"/>
+          </a:xfrm>
+          <a:prstGeom prst="rect">
+            <a:avLst/>
+          </a:prstGeom>
+          <a:gradFill rotWithShape="0">
+            <a:gsLst>
+              <a:gs pos="0">
+                <a:srgbClr val="000099"/>
+              </a:gs>
+              <a:gs pos="50000">
+                <a:srgbClr val="FFFFCC"/>
+              </a:gs>
+              <a:gs pos="100000">
+                <a:srgbClr val="000099"/>
+              </a:gs>
+            </a:gsLst>
+            <a:lin ang="2700000" scaled="1"/>
+          </a:gradFill>
+          <a:ln w="12700">
+            <a:noFill/>
+            <a:miter lim="800000"/>
+            <a:headEnd/>
+            <a:tailEnd/>
+          </a:ln>
+          <a:effectLst>
+            <a:outerShdw dist="107763" dir="2700000" algn="ctr" rotWithShape="0">
+              <a:schemeClr val="bg2"/>
+            </a:outerShdw>
+          </a:effectLst>
+        </p:spPr>
+        <p:txBody>
+          <a:bodyPr wrap="none" lIns="90488" tIns="44450" rIns="90488" bIns="44450">
+            <a:spAutoFit/>
+          </a:bodyPr>
+          <a:lstStyle/>
+          <a:p>
+            <a:pPr eaLnBrk="0" hangingPunct="0">
+              <a:defRPr/>
+            </a:pPr>
+            <a:r>
+              <a:rPr lang="en-US" sz="1600" b="1">
+                <a:latin typeface="Arial" pitchFamily="34" charset="0"/>
+                <a:cs typeface="+mn-cs"/>
+              </a:rPr>
+              <a:t>Message</a:t>
+            </a:r>
+          </a:p>
+        </p:txBody>
+      </p:sp>
+      <p:grpSp>
+        <p:nvGrpSpPr>
+          <p:cNvPr id="15" name="Group 14">
+            <a:extLst>
+              <a:ext uri="{FF2B5EF4-FFF2-40B4-BE49-F238E27FC236}">
+                <a16:creationId xmlns:a16="http://schemas.microsoft.com/office/drawing/2014/main" id="{034569B7-2089-4847-A5EA-05654DE2E9BF}"/>
+              </a:ext>
+            </a:extLst>
+          </p:cNvPr>
+          <p:cNvGrpSpPr>
+            <a:grpSpLocks/>
+          </p:cNvGrpSpPr>
+          <p:nvPr/>
+        </p:nvGrpSpPr>
+        <p:grpSpPr bwMode="auto">
+          <a:xfrm>
+            <a:off x="2659763" y="2390775"/>
+            <a:ext cx="161925" cy="520700"/>
+            <a:chOff x="695" y="1248"/>
+            <a:chExt cx="102" cy="328"/>
+          </a:xfrm>
+        </p:grpSpPr>
+        <p:sp>
+          <p:nvSpPr>
+            <p:cNvPr id="16" name="Line 15">
+              <a:extLst>
+                <a:ext uri="{FF2B5EF4-FFF2-40B4-BE49-F238E27FC236}">
+                  <a16:creationId xmlns:a16="http://schemas.microsoft.com/office/drawing/2014/main" id="{1BED68B8-F836-4F90-B77E-448DE1E62ED6}"/>
+                </a:ext>
+              </a:extLst>
+            </p:cNvPr>
+            <p:cNvSpPr>
+              <a:spLocks noChangeShapeType="1"/>
+            </p:cNvSpPr>
+            <p:nvPr/>
+          </p:nvSpPr>
+          <p:spPr bwMode="auto">
+            <a:xfrm>
+              <a:off x="695" y="1248"/>
+              <a:ext cx="98" cy="0"/>
+            </a:xfrm>
+            <a:prstGeom prst="line">
+              <a:avLst/>
+            </a:prstGeom>
+            <a:noFill/>
+            <a:ln w="12700">
+              <a:solidFill>
+                <a:schemeClr val="tx1"/>
+              </a:solidFill>
+              <a:round/>
+              <a:headEnd/>
+              <a:tailEnd/>
+            </a:ln>
+            <a:extLst>
+              <a:ext uri="{909E8E84-426E-40DD-AFC4-6F175D3DCCD1}">
+                <a14:hiddenFill xmlns:a14="http://schemas.microsoft.com/office/drawing/2010/main">
+                  <a:noFill/>
+                </a14:hiddenFill>
+              </a:ext>
+            </a:extLst>
+          </p:spPr>
+          <p:txBody>
+            <a:bodyPr wrap="none" anchor="ctr"/>
+            <a:lstStyle/>
+            <a:p>
+              <a:endParaRPr lang="en-US"/>
+            </a:p>
+          </p:txBody>
+        </p:sp>
+        <p:sp>
+          <p:nvSpPr>
+            <p:cNvPr id="17" name="Line 16">
+              <a:extLst>
+                <a:ext uri="{FF2B5EF4-FFF2-40B4-BE49-F238E27FC236}">
+                  <a16:creationId xmlns:a16="http://schemas.microsoft.com/office/drawing/2014/main" id="{D44C906B-1686-456B-AFC5-1A18A4CE4F40}"/>
+                </a:ext>
+              </a:extLst>
+            </p:cNvPr>
+            <p:cNvSpPr>
+              <a:spLocks noChangeShapeType="1"/>
+            </p:cNvSpPr>
+            <p:nvPr/>
+          </p:nvSpPr>
+          <p:spPr bwMode="auto">
+            <a:xfrm>
+              <a:off x="797" y="1248"/>
+              <a:ext cx="0" cy="328"/>
+            </a:xfrm>
+            <a:prstGeom prst="line">
+              <a:avLst/>
+            </a:prstGeom>
+            <a:noFill/>
+            <a:ln w="12700">
+              <a:solidFill>
+                <a:schemeClr val="tx1"/>
+              </a:solidFill>
+              <a:round/>
+              <a:headEnd/>
+              <a:tailEnd type="triangle" w="med" len="med"/>
+            </a:ln>
+            <a:extLst>
+              <a:ext uri="{909E8E84-426E-40DD-AFC4-6F175D3DCCD1}">
+                <a14:hiddenFill xmlns:a14="http://schemas.microsoft.com/office/drawing/2010/main">
+                  <a:noFill/>
+                </a14:hiddenFill>
+              </a:ext>
+            </a:extLst>
+          </p:spPr>
+          <p:txBody>
+            <a:bodyPr wrap="none" anchor="ctr"/>
+            <a:lstStyle/>
+            <a:p>
+              <a:endParaRPr lang="en-US"/>
+            </a:p>
+          </p:txBody>
+        </p:sp>
+      </p:grpSp>
+      <p:sp>
+        <p:nvSpPr>
+          <p:cNvPr id="18" name="Line 17">
+            <a:extLst>
+              <a:ext uri="{FF2B5EF4-FFF2-40B4-BE49-F238E27FC236}">
+                <a16:creationId xmlns:a16="http://schemas.microsoft.com/office/drawing/2014/main" id="{49666041-CFF5-45CE-BE0D-5626F80BD1C8}"/>
+              </a:ext>
+            </a:extLst>
+          </p:cNvPr>
+          <p:cNvSpPr>
+            <a:spLocks noChangeShapeType="1"/>
+          </p:cNvSpPr>
+          <p:nvPr/>
+        </p:nvSpPr>
+        <p:spPr bwMode="auto">
+          <a:xfrm>
+            <a:off x="5912550" y="3457575"/>
+            <a:ext cx="1079500" cy="0"/>
+          </a:xfrm>
+          <a:prstGeom prst="line">
+            <a:avLst/>
+          </a:prstGeom>
+          <a:noFill/>
+          <a:ln w="38100">
+            <a:solidFill>
+              <a:schemeClr val="tx1"/>
+            </a:solidFill>
+            <a:round/>
+            <a:headEnd/>
+            <a:tailEnd type="triangle" w="med" len="med"/>
+          </a:ln>
+          <a:extLst>
+            <a:ext uri="{909E8E84-426E-40DD-AFC4-6F175D3DCCD1}">
+              <a14:hiddenFill xmlns:a14="http://schemas.microsoft.com/office/drawing/2010/main">
+                <a:noFill/>
+              </a14:hiddenFill>
+            </a:ext>
+          </a:extLst>
+        </p:spPr>
+        <p:txBody>
+          <a:bodyPr wrap="none" anchor="ctr"/>
+          <a:lstStyle/>
+          <a:p>
+            <a:endParaRPr lang="en-US"/>
+          </a:p>
+        </p:txBody>
+      </p:sp>
+      <p:sp>
+        <p:nvSpPr>
+          <p:cNvPr id="19" name="Line 18">
+            <a:extLst>
+              <a:ext uri="{FF2B5EF4-FFF2-40B4-BE49-F238E27FC236}">
+                <a16:creationId xmlns:a16="http://schemas.microsoft.com/office/drawing/2014/main" id="{65B3AE3E-45A6-467E-A0A0-DCB9D82C3F3E}"/>
+              </a:ext>
+            </a:extLst>
+          </p:cNvPr>
+          <p:cNvSpPr>
+            <a:spLocks noChangeShapeType="1"/>
+          </p:cNvSpPr>
+          <p:nvPr/>
+        </p:nvSpPr>
+        <p:spPr bwMode="auto">
+          <a:xfrm flipV="1">
+            <a:off x="2888363" y="3609975"/>
+            <a:ext cx="0" cy="920750"/>
+          </a:xfrm>
+          <a:prstGeom prst="line">
+            <a:avLst/>
+          </a:prstGeom>
+          <a:noFill/>
+          <a:ln w="12700">
+            <a:solidFill>
+              <a:schemeClr val="tx1"/>
+            </a:solidFill>
+            <a:round/>
+            <a:headEnd/>
+            <a:tailEnd type="triangle" w="med" len="med"/>
+          </a:ln>
+          <a:extLst>
+            <a:ext uri="{909E8E84-426E-40DD-AFC4-6F175D3DCCD1}">
+              <a14:hiddenFill xmlns:a14="http://schemas.microsoft.com/office/drawing/2010/main">
+                <a:noFill/>
+              </a14:hiddenFill>
+            </a:ext>
+          </a:extLst>
+        </p:spPr>
+        <p:txBody>
+          <a:bodyPr wrap="none" anchor="ctr"/>
+          <a:lstStyle/>
+          <a:p>
+            <a:endParaRPr lang="en-US"/>
+          </a:p>
+        </p:txBody>
+      </p:sp>
+      <p:grpSp>
+        <p:nvGrpSpPr>
+          <p:cNvPr id="20" name="Group 19">
+            <a:extLst>
+              <a:ext uri="{FF2B5EF4-FFF2-40B4-BE49-F238E27FC236}">
+                <a16:creationId xmlns:a16="http://schemas.microsoft.com/office/drawing/2014/main" id="{83D64B56-8844-4890-923B-69FA0E41AB0B}"/>
+              </a:ext>
+            </a:extLst>
+          </p:cNvPr>
+          <p:cNvGrpSpPr>
+            <a:grpSpLocks/>
+          </p:cNvGrpSpPr>
+          <p:nvPr/>
+        </p:nvGrpSpPr>
+        <p:grpSpPr bwMode="auto">
+          <a:xfrm>
+            <a:off x="1726313" y="4235450"/>
+            <a:ext cx="609600" cy="749300"/>
+            <a:chOff x="107" y="2410"/>
+            <a:chExt cx="384" cy="472"/>
+          </a:xfrm>
+        </p:grpSpPr>
+        <p:sp>
+          <p:nvSpPr>
+            <p:cNvPr id="21" name="Line 20">
+              <a:extLst>
+                <a:ext uri="{FF2B5EF4-FFF2-40B4-BE49-F238E27FC236}">
+                  <a16:creationId xmlns:a16="http://schemas.microsoft.com/office/drawing/2014/main" id="{3C21B798-DCA2-4290-990E-3FE0B87E1B34}"/>
+                </a:ext>
+              </a:extLst>
+            </p:cNvPr>
+            <p:cNvSpPr>
+              <a:spLocks noChangeShapeType="1"/>
+            </p:cNvSpPr>
+            <p:nvPr/>
+          </p:nvSpPr>
+          <p:spPr bwMode="auto">
+            <a:xfrm>
+              <a:off x="119" y="2410"/>
+              <a:ext cx="0" cy="472"/>
+            </a:xfrm>
+            <a:prstGeom prst="line">
+              <a:avLst/>
+            </a:prstGeom>
+            <a:noFill/>
+            <a:ln w="12700">
+              <a:solidFill>
+                <a:schemeClr val="tx1"/>
+              </a:solidFill>
+              <a:round/>
+              <a:headEnd/>
+              <a:tailEnd/>
+            </a:ln>
+            <a:extLst>
+              <a:ext uri="{909E8E84-426E-40DD-AFC4-6F175D3DCCD1}">
+                <a14:hiddenFill xmlns:a14="http://schemas.microsoft.com/office/drawing/2010/main">
+                  <a:noFill/>
+                </a14:hiddenFill>
+              </a:ext>
+            </a:extLst>
+          </p:spPr>
+          <p:txBody>
+            <a:bodyPr wrap="none" anchor="ctr"/>
+            <a:lstStyle/>
+            <a:p>
+              <a:endParaRPr lang="en-US"/>
+            </a:p>
+          </p:txBody>
+        </p:sp>
+        <p:sp>
+          <p:nvSpPr>
+            <p:cNvPr id="22" name="Line 21">
+              <a:extLst>
+                <a:ext uri="{FF2B5EF4-FFF2-40B4-BE49-F238E27FC236}">
+                  <a16:creationId xmlns:a16="http://schemas.microsoft.com/office/drawing/2014/main" id="{3A761207-4D48-428D-BD7C-3CBD6A861387}"/>
+                </a:ext>
+              </a:extLst>
+            </p:cNvPr>
+            <p:cNvSpPr>
+              <a:spLocks noChangeShapeType="1"/>
+            </p:cNvSpPr>
+            <p:nvPr/>
+          </p:nvSpPr>
+          <p:spPr bwMode="auto">
+            <a:xfrm>
+              <a:off x="107" y="2880"/>
+              <a:ext cx="384" cy="0"/>
+            </a:xfrm>
+            <a:prstGeom prst="line">
+              <a:avLst/>
+            </a:prstGeom>
+            <a:noFill/>
+            <a:ln w="12700">
+              <a:solidFill>
+                <a:schemeClr val="tx1"/>
+              </a:solidFill>
+              <a:round/>
+              <a:headEnd/>
+              <a:tailEnd type="triangle" w="med" len="med"/>
+            </a:ln>
+            <a:extLst>
+              <a:ext uri="{909E8E84-426E-40DD-AFC4-6F175D3DCCD1}">
+                <a14:hiddenFill xmlns:a14="http://schemas.microsoft.com/office/drawing/2010/main">
+                  <a:noFill/>
+                </a14:hiddenFill>
+              </a:ext>
+            </a:extLst>
+          </p:spPr>
+          <p:txBody>
+            <a:bodyPr wrap="none" anchor="ctr"/>
+            <a:lstStyle/>
+            <a:p>
+              <a:endParaRPr lang="en-US"/>
+            </a:p>
+          </p:txBody>
+        </p:sp>
+      </p:grpSp>
+      <p:grpSp>
+        <p:nvGrpSpPr>
+          <p:cNvPr id="23" name="Group 22">
+            <a:extLst>
+              <a:ext uri="{FF2B5EF4-FFF2-40B4-BE49-F238E27FC236}">
+                <a16:creationId xmlns:a16="http://schemas.microsoft.com/office/drawing/2014/main" id="{92D6EA1F-D7D4-4538-BC01-D75E92748CCA}"/>
+              </a:ext>
+            </a:extLst>
+          </p:cNvPr>
+          <p:cNvGrpSpPr>
+            <a:grpSpLocks/>
+          </p:cNvGrpSpPr>
+          <p:nvPr/>
+        </p:nvGrpSpPr>
+        <p:grpSpPr bwMode="auto">
+          <a:xfrm>
+            <a:off x="7544500" y="2314575"/>
+            <a:ext cx="577850" cy="685800"/>
+            <a:chOff x="4487" y="1200"/>
+            <a:chExt cx="560" cy="432"/>
+          </a:xfrm>
+        </p:grpSpPr>
+        <p:sp>
+          <p:nvSpPr>
+            <p:cNvPr id="24" name="Line 23">
+              <a:extLst>
+                <a:ext uri="{FF2B5EF4-FFF2-40B4-BE49-F238E27FC236}">
+                  <a16:creationId xmlns:a16="http://schemas.microsoft.com/office/drawing/2014/main" id="{13A20D9E-CA12-4B53-8A95-1A348A023DBB}"/>
+                </a:ext>
+              </a:extLst>
+            </p:cNvPr>
+            <p:cNvSpPr>
+              <a:spLocks noChangeShapeType="1"/>
+            </p:cNvSpPr>
+            <p:nvPr/>
+          </p:nvSpPr>
+          <p:spPr bwMode="auto">
+            <a:xfrm flipV="1">
+              <a:off x="4487" y="1200"/>
+              <a:ext cx="0" cy="432"/>
+            </a:xfrm>
+            <a:prstGeom prst="line">
+              <a:avLst/>
+            </a:prstGeom>
+            <a:noFill/>
+            <a:ln w="12700">
+              <a:solidFill>
+                <a:schemeClr val="tx1"/>
+              </a:solidFill>
+              <a:round/>
+              <a:headEnd/>
+              <a:tailEnd/>
+            </a:ln>
+            <a:extLst>
+              <a:ext uri="{909E8E84-426E-40DD-AFC4-6F175D3DCCD1}">
+                <a14:hiddenFill xmlns:a14="http://schemas.microsoft.com/office/drawing/2010/main">
+                  <a:noFill/>
+                </a14:hiddenFill>
+              </a:ext>
+            </a:extLst>
+          </p:spPr>
+          <p:txBody>
+            <a:bodyPr wrap="none" anchor="ctr"/>
+            <a:lstStyle/>
+            <a:p>
+              <a:endParaRPr lang="en-US"/>
+            </a:p>
+          </p:txBody>
+        </p:sp>
+        <p:sp>
+          <p:nvSpPr>
+            <p:cNvPr id="25" name="Line 24">
+              <a:extLst>
+                <a:ext uri="{FF2B5EF4-FFF2-40B4-BE49-F238E27FC236}">
+                  <a16:creationId xmlns:a16="http://schemas.microsoft.com/office/drawing/2014/main" id="{CE0A81CD-D71A-4905-B5CC-90163F4BBEBA}"/>
+                </a:ext>
+              </a:extLst>
+            </p:cNvPr>
+            <p:cNvSpPr>
+              <a:spLocks noChangeShapeType="1"/>
+            </p:cNvSpPr>
+            <p:nvPr/>
+          </p:nvSpPr>
+          <p:spPr bwMode="auto">
+            <a:xfrm>
+              <a:off x="4487" y="1200"/>
+              <a:ext cx="560" cy="0"/>
+            </a:xfrm>
+            <a:prstGeom prst="line">
+              <a:avLst/>
+            </a:prstGeom>
+            <a:noFill/>
+            <a:ln w="12700">
+              <a:solidFill>
+                <a:schemeClr val="tx1"/>
+              </a:solidFill>
+              <a:round/>
+              <a:headEnd/>
+              <a:tailEnd type="triangle" w="med" len="med"/>
+            </a:ln>
+            <a:extLst>
+              <a:ext uri="{909E8E84-426E-40DD-AFC4-6F175D3DCCD1}">
+                <a14:hiddenFill xmlns:a14="http://schemas.microsoft.com/office/drawing/2010/main">
+                  <a:noFill/>
+                </a14:hiddenFill>
+              </a:ext>
+            </a:extLst>
+          </p:spPr>
+          <p:txBody>
+            <a:bodyPr wrap="none" anchor="ctr"/>
+            <a:lstStyle/>
+            <a:p>
+              <a:endParaRPr lang="en-US"/>
+            </a:p>
+          </p:txBody>
+        </p:sp>
+      </p:grpSp>
+      <p:sp>
+        <p:nvSpPr>
+          <p:cNvPr id="26" name="Line 25">
+            <a:extLst>
+              <a:ext uri="{FF2B5EF4-FFF2-40B4-BE49-F238E27FC236}">
+                <a16:creationId xmlns:a16="http://schemas.microsoft.com/office/drawing/2014/main" id="{040188C0-D142-4FF0-BDC6-96C57E15DF58}"/>
+              </a:ext>
+            </a:extLst>
+          </p:cNvPr>
+          <p:cNvSpPr>
+            <a:spLocks noChangeShapeType="1"/>
+          </p:cNvSpPr>
+          <p:nvPr/>
+        </p:nvSpPr>
+        <p:spPr bwMode="auto">
+          <a:xfrm>
+            <a:off x="8668450" y="2466975"/>
+            <a:ext cx="0" cy="1219200"/>
+          </a:xfrm>
+          <a:prstGeom prst="line">
+            <a:avLst/>
+          </a:prstGeom>
+          <a:noFill/>
+          <a:ln w="12700">
+            <a:solidFill>
+              <a:schemeClr val="tx1"/>
+            </a:solidFill>
+            <a:round/>
+            <a:headEnd/>
+            <a:tailEnd type="triangle" w="med" len="med"/>
+          </a:ln>
+          <a:extLst>
+            <a:ext uri="{909E8E84-426E-40DD-AFC4-6F175D3DCCD1}">
+              <a14:hiddenFill xmlns:a14="http://schemas.microsoft.com/office/drawing/2010/main">
+                <a:noFill/>
+              </a14:hiddenFill>
+            </a:ext>
+          </a:extLst>
+        </p:spPr>
+        <p:txBody>
+          <a:bodyPr wrap="none" anchor="ctr"/>
+          <a:lstStyle/>
+          <a:p>
+            <a:endParaRPr lang="en-US"/>
+          </a:p>
+        </p:txBody>
+      </p:sp>
+      <p:grpSp>
+        <p:nvGrpSpPr>
+          <p:cNvPr id="27" name="Group 26">
+            <a:extLst>
+              <a:ext uri="{FF2B5EF4-FFF2-40B4-BE49-F238E27FC236}">
+                <a16:creationId xmlns:a16="http://schemas.microsoft.com/office/drawing/2014/main" id="{CA6356F3-CB50-4264-9316-80710ACB55D5}"/>
+              </a:ext>
+            </a:extLst>
+          </p:cNvPr>
+          <p:cNvGrpSpPr>
+            <a:grpSpLocks/>
+          </p:cNvGrpSpPr>
+          <p:nvPr/>
+        </p:nvGrpSpPr>
+        <p:grpSpPr bwMode="auto">
+          <a:xfrm>
+            <a:off x="7525450" y="3733800"/>
+            <a:ext cx="527050" cy="2057400"/>
+            <a:chOff x="4475" y="2094"/>
+            <a:chExt cx="332" cy="1296"/>
+          </a:xfrm>
+        </p:grpSpPr>
+        <p:sp>
+          <p:nvSpPr>
+            <p:cNvPr id="28" name="Line 27">
+              <a:extLst>
+                <a:ext uri="{FF2B5EF4-FFF2-40B4-BE49-F238E27FC236}">
+                  <a16:creationId xmlns:a16="http://schemas.microsoft.com/office/drawing/2014/main" id="{7422CF77-4948-4C99-BA97-65815527007B}"/>
+                </a:ext>
+              </a:extLst>
+            </p:cNvPr>
+            <p:cNvSpPr>
+              <a:spLocks noChangeShapeType="1"/>
+            </p:cNvSpPr>
+            <p:nvPr/>
+          </p:nvSpPr>
+          <p:spPr bwMode="auto">
+            <a:xfrm>
+              <a:off x="4475" y="2094"/>
+              <a:ext cx="0" cy="1296"/>
+            </a:xfrm>
+            <a:prstGeom prst="line">
+              <a:avLst/>
+            </a:prstGeom>
+            <a:noFill/>
+            <a:ln w="12700">
+              <a:solidFill>
+                <a:schemeClr val="tx1"/>
+              </a:solidFill>
+              <a:round/>
+              <a:headEnd/>
+              <a:tailEnd/>
+            </a:ln>
+            <a:extLst>
+              <a:ext uri="{909E8E84-426E-40DD-AFC4-6F175D3DCCD1}">
+                <a14:hiddenFill xmlns:a14="http://schemas.microsoft.com/office/drawing/2010/main">
+                  <a:noFill/>
+                </a14:hiddenFill>
+              </a:ext>
+            </a:extLst>
+          </p:spPr>
+          <p:txBody>
+            <a:bodyPr wrap="none" anchor="ctr"/>
+            <a:lstStyle/>
+            <a:p>
+              <a:endParaRPr lang="en-US"/>
+            </a:p>
+          </p:txBody>
+        </p:sp>
+        <p:sp>
+          <p:nvSpPr>
+            <p:cNvPr id="29" name="Line 28">
+              <a:extLst>
+                <a:ext uri="{FF2B5EF4-FFF2-40B4-BE49-F238E27FC236}">
+                  <a16:creationId xmlns:a16="http://schemas.microsoft.com/office/drawing/2014/main" id="{6FDBE3E2-0CC1-4293-8F7C-04CFC09C8388}"/>
+                </a:ext>
+              </a:extLst>
+            </p:cNvPr>
+            <p:cNvSpPr>
+              <a:spLocks noChangeShapeType="1"/>
+            </p:cNvSpPr>
+            <p:nvPr/>
+          </p:nvSpPr>
+          <p:spPr bwMode="auto">
+            <a:xfrm>
+              <a:off x="4479" y="3390"/>
+              <a:ext cx="328" cy="0"/>
+            </a:xfrm>
+            <a:prstGeom prst="line">
+              <a:avLst/>
+            </a:prstGeom>
+            <a:noFill/>
+            <a:ln w="12700">
+              <a:solidFill>
+                <a:schemeClr val="tx1"/>
+              </a:solidFill>
+              <a:round/>
+              <a:headEnd/>
+              <a:tailEnd type="triangle" w="med" len="med"/>
+            </a:ln>
+            <a:extLst>
+              <a:ext uri="{909E8E84-426E-40DD-AFC4-6F175D3DCCD1}">
+                <a14:hiddenFill xmlns:a14="http://schemas.microsoft.com/office/drawing/2010/main">
+                  <a:noFill/>
+                </a14:hiddenFill>
+              </a:ext>
+            </a:extLst>
+          </p:spPr>
+          <p:txBody>
+            <a:bodyPr wrap="none" anchor="ctr"/>
+            <a:lstStyle/>
+            <a:p>
+              <a:endParaRPr lang="en-US"/>
+            </a:p>
+          </p:txBody>
+        </p:sp>
+      </p:grpSp>
+      <p:sp>
+        <p:nvSpPr>
+          <p:cNvPr id="30" name="Line 29">
+            <a:extLst>
+              <a:ext uri="{FF2B5EF4-FFF2-40B4-BE49-F238E27FC236}">
+                <a16:creationId xmlns:a16="http://schemas.microsoft.com/office/drawing/2014/main" id="{79EBD4DD-1204-49A7-8E7E-50861B32802F}"/>
+              </a:ext>
+            </a:extLst>
+          </p:cNvPr>
+          <p:cNvSpPr>
+            <a:spLocks noChangeShapeType="1"/>
+          </p:cNvSpPr>
+          <p:nvPr/>
+        </p:nvSpPr>
+        <p:spPr bwMode="auto">
+          <a:xfrm>
+            <a:off x="1708850" y="2466975"/>
+            <a:ext cx="0" cy="1450975"/>
+          </a:xfrm>
+          <a:prstGeom prst="line">
+            <a:avLst/>
+          </a:prstGeom>
+          <a:noFill/>
+          <a:ln w="12700">
+            <a:solidFill>
+              <a:schemeClr val="tx1"/>
+            </a:solidFill>
+            <a:round/>
+            <a:headEnd/>
+            <a:tailEnd type="triangle" w="med" len="med"/>
+          </a:ln>
+          <a:extLst>
+            <a:ext uri="{909E8E84-426E-40DD-AFC4-6F175D3DCCD1}">
+              <a14:hiddenFill xmlns:a14="http://schemas.microsoft.com/office/drawing/2010/main">
+                <a:noFill/>
+              </a14:hiddenFill>
+            </a:ext>
+          </a:extLst>
+        </p:spPr>
+        <p:txBody>
+          <a:bodyPr wrap="none" anchor="ctr"/>
+          <a:lstStyle/>
+          <a:p>
+            <a:endParaRPr lang="en-US"/>
+          </a:p>
+        </p:txBody>
+      </p:sp>
+      <p:sp>
+        <p:nvSpPr>
+          <p:cNvPr id="31" name="Rectangle 30">
+            <a:extLst>
+              <a:ext uri="{FF2B5EF4-FFF2-40B4-BE49-F238E27FC236}">
+                <a16:creationId xmlns:a16="http://schemas.microsoft.com/office/drawing/2014/main" id="{434EC794-6F41-4E78-802B-92BE97A7F5F3}"/>
+              </a:ext>
+            </a:extLst>
+          </p:cNvPr>
+          <p:cNvSpPr>
+            <a:spLocks noChangeArrowheads="1"/>
+          </p:cNvSpPr>
+          <p:nvPr/>
+        </p:nvSpPr>
+        <p:spPr bwMode="auto">
+          <a:xfrm>
+            <a:off x="2547050" y="5972175"/>
+            <a:ext cx="1042988" cy="393700"/>
+          </a:xfrm>
+          <a:prstGeom prst="rect">
+            <a:avLst/>
+          </a:prstGeom>
+          <a:noFill/>
+          <a:ln>
+            <a:noFill/>
+          </a:ln>
+          <a:extLst>
+            <a:ext uri="{909E8E84-426E-40DD-AFC4-6F175D3DCCD1}">
+              <a14:hiddenFill xmlns:a14="http://schemas.microsoft.com/office/drawing/2010/main">
+                <a:solidFill>
+                  <a:srgbClr val="FFFFFF"/>
+                </a:solidFill>
+              </a14:hiddenFill>
+            </a:ext>
+            <a:ext uri="{91240B29-F687-4F45-9708-019B960494DF}">
+              <a14:hiddenLine xmlns:a14="http://schemas.microsoft.com/office/drawing/2010/main" w="12700">
+                <a:solidFill>
+                  <a:srgbClr val="000000"/>
+                </a:solidFill>
+                <a:miter lim="800000"/>
+                <a:headEnd/>
+                <a:tailEnd/>
+              </a14:hiddenLine>
+            </a:ext>
+          </a:extLst>
+        </p:spPr>
+        <p:txBody>
+          <a:bodyPr wrap="none" lIns="90488" tIns="44450" rIns="90488" bIns="44450">
+            <a:spAutoFit/>
+          </a:bodyPr>
+          <a:lstStyle>
+            <a:lvl1pPr eaLnBrk="0" hangingPunct="0">
+              <a:defRPr sz="2400">
+                <a:solidFill>
+                  <a:schemeClr val="tx1"/>
+                </a:solidFill>
+                <a:latin typeface="Times New Roman" panose="02020603050405020304" pitchFamily="18" charset="0"/>
+              </a:defRPr>
+            </a:lvl1pPr>
+            <a:lvl2pPr marL="742950" indent="-285750" eaLnBrk="0" hangingPunct="0">
+              <a:defRPr sz="2400">
+                <a:solidFill>
+                  <a:schemeClr val="tx1"/>
+                </a:solidFill>
+                <a:latin typeface="Times New Roman" panose="02020603050405020304" pitchFamily="18" charset="0"/>
+              </a:defRPr>
+            </a:lvl2pPr>
+            <a:lvl3pPr marL="1143000" indent="-228600" eaLnBrk="0" hangingPunct="0">
+              <a:defRPr sz="2400">
+                <a:solidFill>
+                  <a:schemeClr val="tx1"/>
+                </a:solidFill>
+                <a:latin typeface="Times New Roman" panose="02020603050405020304" pitchFamily="18" charset="0"/>
+              </a:defRPr>
+            </a:lvl3pPr>
+            <a:lvl4pPr marL="1600200" indent="-228600" eaLnBrk="0" hangingPunct="0">
+              <a:defRPr sz="2400">
+                <a:solidFill>
+                  <a:schemeClr val="tx1"/>
+                </a:solidFill>
+                <a:latin typeface="Times New Roman" panose="02020603050405020304" pitchFamily="18" charset="0"/>
+              </a:defRPr>
+            </a:lvl4pPr>
+            <a:lvl5pPr marL="2057400" indent="-228600" eaLnBrk="0" hangingPunct="0">
+              <a:defRPr sz="2400">
+                <a:solidFill>
+                  <a:schemeClr val="tx1"/>
+                </a:solidFill>
+                <a:latin typeface="Times New Roman" panose="02020603050405020304" pitchFamily="18" charset="0"/>
+              </a:defRPr>
+            </a:lvl5pPr>
+            <a:lvl6pPr marL="2514600" indent="-228600" eaLnBrk="0" fontAlgn="base" hangingPunct="0">
+              <a:spcBef>
+                <a:spcPct val="0"/>
+              </a:spcBef>
+              <a:spcAft>
+                <a:spcPct val="0"/>
+              </a:spcAft>
+              <a:defRPr sz="2400">
+                <a:solidFill>
+                  <a:schemeClr val="tx1"/>
+                </a:solidFill>
+                <a:latin typeface="Times New Roman" panose="02020603050405020304" pitchFamily="18" charset="0"/>
+              </a:defRPr>
+            </a:lvl6pPr>
+            <a:lvl7pPr marL="2971800" indent="-228600" eaLnBrk="0" fontAlgn="base" hangingPunct="0">
+              <a:spcBef>
+                <a:spcPct val="0"/>
+              </a:spcBef>
+              <a:spcAft>
+                <a:spcPct val="0"/>
+              </a:spcAft>
+              <a:defRPr sz="2400">
+                <a:solidFill>
+                  <a:schemeClr val="tx1"/>
+                </a:solidFill>
+                <a:latin typeface="Times New Roman" panose="02020603050405020304" pitchFamily="18" charset="0"/>
+              </a:defRPr>
+            </a:lvl7pPr>
+            <a:lvl8pPr marL="3429000" indent="-228600" eaLnBrk="0" fontAlgn="base" hangingPunct="0">
+              <a:spcBef>
+                <a:spcPct val="0"/>
+              </a:spcBef>
+              <a:spcAft>
+                <a:spcPct val="0"/>
+              </a:spcAft>
+              <a:defRPr sz="2400">
+                <a:solidFill>
+                  <a:schemeClr val="tx1"/>
+                </a:solidFill>
+                <a:latin typeface="Times New Roman" panose="02020603050405020304" pitchFamily="18" charset="0"/>
+              </a:defRPr>
+            </a:lvl8pPr>
+            <a:lvl9pPr marL="3886200" indent="-228600" eaLnBrk="0" fontAlgn="base" hangingPunct="0">
+              <a:spcBef>
+                <a:spcPct val="0"/>
+              </a:spcBef>
+              <a:spcAft>
+                <a:spcPct val="0"/>
+              </a:spcAft>
+              <a:defRPr sz="2400">
+                <a:solidFill>
+                  <a:schemeClr val="tx1"/>
+                </a:solidFill>
+                <a:latin typeface="Times New Roman" panose="02020603050405020304" pitchFamily="18" charset="0"/>
+              </a:defRPr>
+            </a:lvl9pPr>
+          </a:lstStyle>
+          <a:p>
+            <a:r>
+              <a:rPr lang="en-US" altLang="en-US" sz="2000" b="1">
+                <a:solidFill>
+                  <a:srgbClr val="CC3300"/>
+                </a:solidFill>
+                <a:latin typeface="Arial" panose="020B0604020202020204" pitchFamily="34" charset="0"/>
+              </a:rPr>
+              <a:t>Sender</a:t>
+            </a:r>
+          </a:p>
+        </p:txBody>
+      </p:sp>
+      <p:sp>
+        <p:nvSpPr>
+          <p:cNvPr id="32" name="Rectangle 31">
+            <a:extLst>
+              <a:ext uri="{FF2B5EF4-FFF2-40B4-BE49-F238E27FC236}">
+                <a16:creationId xmlns:a16="http://schemas.microsoft.com/office/drawing/2014/main" id="{69DAB3EB-663F-46D3-BCEF-C25018F50FFB}"/>
+              </a:ext>
+            </a:extLst>
+          </p:cNvPr>
+          <p:cNvSpPr>
+            <a:spLocks noChangeArrowheads="1"/>
+          </p:cNvSpPr>
+          <p:nvPr/>
+        </p:nvSpPr>
+        <p:spPr bwMode="auto">
+          <a:xfrm>
+            <a:off x="6979350" y="6048375"/>
+            <a:ext cx="1133475" cy="363538"/>
+          </a:xfrm>
+          <a:prstGeom prst="rect">
+            <a:avLst/>
+          </a:prstGeom>
+          <a:noFill/>
+          <a:ln>
+            <a:noFill/>
+          </a:ln>
+          <a:extLst>
+            <a:ext uri="{909E8E84-426E-40DD-AFC4-6F175D3DCCD1}">
+              <a14:hiddenFill xmlns:a14="http://schemas.microsoft.com/office/drawing/2010/main">
+                <a:solidFill>
+                  <a:srgbClr val="FFFFFF"/>
+                </a:solidFill>
+              </a14:hiddenFill>
+            </a:ext>
+            <a:ext uri="{91240B29-F687-4F45-9708-019B960494DF}">
+              <a14:hiddenLine xmlns:a14="http://schemas.microsoft.com/office/drawing/2010/main" w="12700">
+                <a:solidFill>
+                  <a:srgbClr val="000000"/>
+                </a:solidFill>
+                <a:miter lim="800000"/>
+                <a:headEnd/>
+                <a:tailEnd/>
+              </a14:hiddenLine>
+            </a:ext>
+          </a:extLst>
+        </p:spPr>
+        <p:txBody>
+          <a:bodyPr wrap="none" lIns="90488" tIns="44450" rIns="90488" bIns="44450">
+            <a:spAutoFit/>
+          </a:bodyPr>
+          <a:lstStyle>
+            <a:lvl1pPr eaLnBrk="0" hangingPunct="0">
+              <a:defRPr sz="2400">
+                <a:solidFill>
+                  <a:schemeClr val="tx1"/>
+                </a:solidFill>
+                <a:latin typeface="Times New Roman" panose="02020603050405020304" pitchFamily="18" charset="0"/>
+              </a:defRPr>
+            </a:lvl1pPr>
+            <a:lvl2pPr marL="742950" indent="-285750" eaLnBrk="0" hangingPunct="0">
+              <a:defRPr sz="2400">
+                <a:solidFill>
+                  <a:schemeClr val="tx1"/>
+                </a:solidFill>
+                <a:latin typeface="Times New Roman" panose="02020603050405020304" pitchFamily="18" charset="0"/>
+              </a:defRPr>
+            </a:lvl2pPr>
+            <a:lvl3pPr marL="1143000" indent="-228600" eaLnBrk="0" hangingPunct="0">
+              <a:defRPr sz="2400">
+                <a:solidFill>
+                  <a:schemeClr val="tx1"/>
+                </a:solidFill>
+                <a:latin typeface="Times New Roman" panose="02020603050405020304" pitchFamily="18" charset="0"/>
+              </a:defRPr>
+            </a:lvl3pPr>
+            <a:lvl4pPr marL="1600200" indent="-228600" eaLnBrk="0" hangingPunct="0">
+              <a:defRPr sz="2400">
+                <a:solidFill>
+                  <a:schemeClr val="tx1"/>
+                </a:solidFill>
+                <a:latin typeface="Times New Roman" panose="02020603050405020304" pitchFamily="18" charset="0"/>
+              </a:defRPr>
+            </a:lvl4pPr>
+            <a:lvl5pPr marL="2057400" indent="-228600" eaLnBrk="0" hangingPunct="0">
+              <a:defRPr sz="2400">
+                <a:solidFill>
+                  <a:schemeClr val="tx1"/>
+                </a:solidFill>
+                <a:latin typeface="Times New Roman" panose="02020603050405020304" pitchFamily="18" charset="0"/>
+              </a:defRPr>
+            </a:lvl5pPr>
+            <a:lvl6pPr marL="2514600" indent="-228600" eaLnBrk="0" fontAlgn="base" hangingPunct="0">
+              <a:spcBef>
+                <a:spcPct val="0"/>
+              </a:spcBef>
+              <a:spcAft>
+                <a:spcPct val="0"/>
+              </a:spcAft>
+              <a:defRPr sz="2400">
+                <a:solidFill>
+                  <a:schemeClr val="tx1"/>
+                </a:solidFill>
+                <a:latin typeface="Times New Roman" panose="02020603050405020304" pitchFamily="18" charset="0"/>
+              </a:defRPr>
+            </a:lvl6pPr>
+            <a:lvl7pPr marL="2971800" indent="-228600" eaLnBrk="0" fontAlgn="base" hangingPunct="0">
+              <a:spcBef>
+                <a:spcPct val="0"/>
+              </a:spcBef>
+              <a:spcAft>
+                <a:spcPct val="0"/>
+              </a:spcAft>
+              <a:defRPr sz="2400">
+                <a:solidFill>
+                  <a:schemeClr val="tx1"/>
+                </a:solidFill>
+                <a:latin typeface="Times New Roman" panose="02020603050405020304" pitchFamily="18" charset="0"/>
+              </a:defRPr>
+            </a:lvl7pPr>
+            <a:lvl8pPr marL="3429000" indent="-228600" eaLnBrk="0" fontAlgn="base" hangingPunct="0">
+              <a:spcBef>
+                <a:spcPct val="0"/>
+              </a:spcBef>
+              <a:spcAft>
+                <a:spcPct val="0"/>
+              </a:spcAft>
+              <a:defRPr sz="2400">
+                <a:solidFill>
+                  <a:schemeClr val="tx1"/>
+                </a:solidFill>
+                <a:latin typeface="Times New Roman" panose="02020603050405020304" pitchFamily="18" charset="0"/>
+              </a:defRPr>
+            </a:lvl8pPr>
+            <a:lvl9pPr marL="3886200" indent="-228600" eaLnBrk="0" fontAlgn="base" hangingPunct="0">
+              <a:spcBef>
+                <a:spcPct val="0"/>
+              </a:spcBef>
+              <a:spcAft>
+                <a:spcPct val="0"/>
+              </a:spcAft>
+              <a:defRPr sz="2400">
+                <a:solidFill>
+                  <a:schemeClr val="tx1"/>
+                </a:solidFill>
+                <a:latin typeface="Times New Roman" panose="02020603050405020304" pitchFamily="18" charset="0"/>
+              </a:defRPr>
+            </a:lvl9pPr>
+          </a:lstStyle>
+          <a:p>
+            <a:r>
+              <a:rPr lang="en-US" altLang="en-US" sz="1800" b="1">
+                <a:solidFill>
+                  <a:srgbClr val="CC3300"/>
+                </a:solidFill>
+                <a:latin typeface="Arial" panose="020B0604020202020204" pitchFamily="34" charset="0"/>
+              </a:rPr>
+              <a:t>Receiver</a:t>
+            </a:r>
+          </a:p>
+        </p:txBody>
+      </p:sp>
+      <p:grpSp>
+        <p:nvGrpSpPr>
+          <p:cNvPr id="33" name="Group 32">
+            <a:extLst>
+              <a:ext uri="{FF2B5EF4-FFF2-40B4-BE49-F238E27FC236}">
+                <a16:creationId xmlns:a16="http://schemas.microsoft.com/office/drawing/2014/main" id="{BA1E859B-C1B7-4F72-B888-7F263CC12E6F}"/>
+              </a:ext>
+            </a:extLst>
+          </p:cNvPr>
+          <p:cNvGrpSpPr>
+            <a:grpSpLocks/>
+          </p:cNvGrpSpPr>
+          <p:nvPr/>
+        </p:nvGrpSpPr>
+        <p:grpSpPr bwMode="auto">
+          <a:xfrm>
+            <a:off x="8427150" y="4067175"/>
+            <a:ext cx="474663" cy="1301750"/>
+            <a:chOff x="5063" y="2304"/>
+            <a:chExt cx="299" cy="820"/>
+          </a:xfrm>
+        </p:grpSpPr>
+        <p:sp>
+          <p:nvSpPr>
+            <p:cNvPr id="34" name="Line 33">
+              <a:extLst>
+                <a:ext uri="{FF2B5EF4-FFF2-40B4-BE49-F238E27FC236}">
+                  <a16:creationId xmlns:a16="http://schemas.microsoft.com/office/drawing/2014/main" id="{1B560502-7C6B-4292-9B11-7392183B3BF9}"/>
+                </a:ext>
+              </a:extLst>
+            </p:cNvPr>
+            <p:cNvSpPr>
+              <a:spLocks noChangeShapeType="1"/>
+            </p:cNvSpPr>
+            <p:nvPr/>
+          </p:nvSpPr>
+          <p:spPr bwMode="auto">
+            <a:xfrm flipV="1">
+              <a:off x="5184" y="2304"/>
+              <a:ext cx="0" cy="820"/>
+            </a:xfrm>
+            <a:prstGeom prst="line">
+              <a:avLst/>
+            </a:prstGeom>
+            <a:noFill/>
+            <a:ln w="12700">
+              <a:solidFill>
+                <a:schemeClr val="tx1"/>
+              </a:solidFill>
+              <a:round/>
+              <a:headEnd/>
+              <a:tailEnd type="triangle" w="med" len="med"/>
+            </a:ln>
+            <a:extLst>
+              <a:ext uri="{909E8E84-426E-40DD-AFC4-6F175D3DCCD1}">
+                <a14:hiddenFill xmlns:a14="http://schemas.microsoft.com/office/drawing/2010/main">
+                  <a:noFill/>
+                </a14:hiddenFill>
+              </a:ext>
+            </a:extLst>
+          </p:spPr>
+          <p:txBody>
+            <a:bodyPr wrap="none" anchor="ctr"/>
+            <a:lstStyle/>
+            <a:p>
+              <a:endParaRPr lang="en-US"/>
+            </a:p>
+          </p:txBody>
+        </p:sp>
+        <p:sp>
+          <p:nvSpPr>
+            <p:cNvPr id="35" name="Rectangle 34">
+              <a:extLst>
+                <a:ext uri="{FF2B5EF4-FFF2-40B4-BE49-F238E27FC236}">
+                  <a16:creationId xmlns:a16="http://schemas.microsoft.com/office/drawing/2014/main" id="{E9672382-06EF-47E8-9219-ED71BB138B24}"/>
+                </a:ext>
+              </a:extLst>
+            </p:cNvPr>
+            <p:cNvSpPr>
+              <a:spLocks noChangeArrowheads="1"/>
+            </p:cNvSpPr>
+            <p:nvPr/>
+          </p:nvSpPr>
+          <p:spPr bwMode="auto">
+            <a:xfrm>
+              <a:off x="5063" y="2688"/>
+              <a:ext cx="299" cy="184"/>
+            </a:xfrm>
+            <a:prstGeom prst="rect">
+              <a:avLst/>
+            </a:prstGeom>
+            <a:gradFill rotWithShape="0">
+              <a:gsLst>
+                <a:gs pos="0">
+                  <a:srgbClr val="000099"/>
+                </a:gs>
+                <a:gs pos="50000">
+                  <a:srgbClr val="FFFFCC"/>
+                </a:gs>
+                <a:gs pos="100000">
+                  <a:srgbClr val="000099"/>
+                </a:gs>
+              </a:gsLst>
+              <a:lin ang="2700000" scaled="1"/>
+            </a:gradFill>
+            <a:ln w="12700">
+              <a:noFill/>
+              <a:miter lim="800000"/>
+              <a:headEnd/>
+              <a:tailEnd/>
+            </a:ln>
+            <a:effectLst>
+              <a:outerShdw dist="107763" dir="2700000" algn="ctr" rotWithShape="0">
+                <a:schemeClr val="bg2"/>
+              </a:outerShdw>
+            </a:effectLst>
+          </p:spPr>
+          <p:txBody>
+            <a:bodyPr wrap="none" lIns="90488" tIns="44450" rIns="90488" bIns="44450" anchor="ctr"/>
+            <a:lstStyle/>
+            <a:p>
+              <a:pPr algn="ctr" eaLnBrk="0" hangingPunct="0">
+                <a:defRPr/>
+              </a:pPr>
+              <a:r>
+                <a:rPr lang="en-US" sz="1400" b="1">
+                  <a:latin typeface="Arial" pitchFamily="34" charset="0"/>
+                  <a:cs typeface="+mn-cs"/>
+                </a:rPr>
+                <a:t>Hash</a:t>
+              </a:r>
+            </a:p>
+          </p:txBody>
+        </p:sp>
+      </p:grpSp>
+      <p:grpSp>
+        <p:nvGrpSpPr>
+          <p:cNvPr id="36" name="Group 35">
+            <a:extLst>
+              <a:ext uri="{FF2B5EF4-FFF2-40B4-BE49-F238E27FC236}">
+                <a16:creationId xmlns:a16="http://schemas.microsoft.com/office/drawing/2014/main" id="{C64A234A-2877-4975-A9AA-E22ACE791B76}"/>
+              </a:ext>
+            </a:extLst>
+          </p:cNvPr>
+          <p:cNvGrpSpPr>
+            <a:grpSpLocks/>
+          </p:cNvGrpSpPr>
+          <p:nvPr/>
+        </p:nvGrpSpPr>
+        <p:grpSpPr bwMode="auto">
+          <a:xfrm>
+            <a:off x="4083750" y="2619375"/>
+            <a:ext cx="2239963" cy="1884363"/>
+            <a:chOff x="2112" y="1392"/>
+            <a:chExt cx="1411" cy="1187"/>
+          </a:xfrm>
+        </p:grpSpPr>
+        <p:pic>
+          <p:nvPicPr>
+            <p:cNvPr id="37" name="Picture 36" descr="C:\Program Files\Microsoft Office\Clipart\standard\stddir1\BD04904_.WMF">
+              <a:extLst>
+                <a:ext uri="{FF2B5EF4-FFF2-40B4-BE49-F238E27FC236}">
+                  <a16:creationId xmlns:a16="http://schemas.microsoft.com/office/drawing/2014/main" id="{33BDCE82-5223-4031-B78B-835049CD66D5}"/>
+                </a:ext>
+              </a:extLst>
+            </p:cNvPr>
+            <p:cNvPicPr>
+              <a:picLocks noChangeAspect="1" noChangeArrowheads="1"/>
+            </p:cNvPicPr>
+            <p:nvPr/>
+          </p:nvPicPr>
+          <p:blipFill>
+            <a:blip r:embed="rId3">
+              <a:extLst>
+                <a:ext uri="{28A0092B-C50C-407E-A947-70E740481C1C}">
+                  <a14:useLocalDpi xmlns:a14="http://schemas.microsoft.com/office/drawing/2010/main" val="0"/>
+                </a:ext>
+              </a:extLst>
+            </a:blip>
+            <a:srcRect/>
+            <a:stretch>
+              <a:fillRect/>
+            </a:stretch>
+          </p:blipFill>
+          <p:spPr bwMode="auto">
+            <a:xfrm>
+              <a:off x="2112" y="1392"/>
+              <a:ext cx="1411" cy="1187"/>
+            </a:xfrm>
+            <a:prstGeom prst="rect">
+              <a:avLst/>
+            </a:prstGeom>
+            <a:noFill/>
+            <a:ln>
+              <a:noFill/>
+            </a:ln>
+            <a:extLst>
+              <a:ext uri="{909E8E84-426E-40DD-AFC4-6F175D3DCCD1}">
+                <a14:hiddenFill xmlns:a14="http://schemas.microsoft.com/office/drawing/2010/main">
+                  <a:solidFill>
+                    <a:srgbClr val="FFFFFF"/>
+                  </a:solidFill>
+                </a14:hiddenFill>
+              </a:ext>
+              <a:ext uri="{91240B29-F687-4F45-9708-019B960494DF}">
+                <a14:hiddenLine xmlns:a14="http://schemas.microsoft.com/office/drawing/2010/main" w="9525">
+                  <a:solidFill>
+                    <a:srgbClr val="000000"/>
+                  </a:solidFill>
+                  <a:miter lim="800000"/>
+                  <a:headEnd/>
+                  <a:tailEnd/>
+                </a14:hiddenLine>
+              </a:ext>
+            </a:extLst>
+          </p:spPr>
+        </p:pic>
+        <p:sp>
+          <p:nvSpPr>
+            <p:cNvPr id="38" name="Rectangle 37">
+              <a:extLst>
+                <a:ext uri="{FF2B5EF4-FFF2-40B4-BE49-F238E27FC236}">
+                  <a16:creationId xmlns:a16="http://schemas.microsoft.com/office/drawing/2014/main" id="{F4782218-7017-493C-82A5-A76BAE8226EB}"/>
+                </a:ext>
+              </a:extLst>
+            </p:cNvPr>
+            <p:cNvSpPr>
+              <a:spLocks noChangeArrowheads="1"/>
+            </p:cNvSpPr>
+            <p:nvPr/>
+          </p:nvSpPr>
+          <p:spPr bwMode="auto">
+            <a:xfrm rot="815557">
+              <a:off x="2544" y="2256"/>
+              <a:ext cx="775" cy="286"/>
+            </a:xfrm>
+            <a:prstGeom prst="rect">
+              <a:avLst/>
+            </a:prstGeom>
+            <a:noFill/>
+            <a:ln>
+              <a:noFill/>
+            </a:ln>
+            <a:extLst>
+              <a:ext uri="{909E8E84-426E-40DD-AFC4-6F175D3DCCD1}">
+                <a14:hiddenFill xmlns:a14="http://schemas.microsoft.com/office/drawing/2010/main">
+                  <a:solidFill>
+                    <a:srgbClr val="FFFFFF"/>
+                  </a:solidFill>
+                </a14:hiddenFill>
+              </a:ext>
+              <a:ext uri="{91240B29-F687-4F45-9708-019B960494DF}">
+                <a14:hiddenLine xmlns:a14="http://schemas.microsoft.com/office/drawing/2010/main" w="12700">
+                  <a:solidFill>
+                    <a:srgbClr val="000000"/>
+                  </a:solidFill>
+                  <a:miter lim="800000"/>
+                  <a:headEnd/>
+                  <a:tailEnd/>
+                </a14:hiddenLine>
+              </a:ext>
+            </a:extLst>
+          </p:spPr>
+          <p:txBody>
+            <a:bodyPr lIns="90488" tIns="44450" rIns="90488" bIns="44450">
+              <a:spAutoFit/>
+            </a:bodyPr>
+            <a:lstStyle>
+              <a:lvl1pPr eaLnBrk="0" hangingPunct="0">
+                <a:defRPr sz="2400">
+                  <a:solidFill>
+                    <a:schemeClr val="tx1"/>
+                  </a:solidFill>
+                  <a:latin typeface="Times New Roman" panose="02020603050405020304" pitchFamily="18" charset="0"/>
+                </a:defRPr>
+              </a:lvl1pPr>
+              <a:lvl2pPr marL="742950" indent="-285750" eaLnBrk="0" hangingPunct="0">
+                <a:defRPr sz="2400">
+                  <a:solidFill>
+                    <a:schemeClr val="tx1"/>
+                  </a:solidFill>
+                  <a:latin typeface="Times New Roman" panose="02020603050405020304" pitchFamily="18" charset="0"/>
+                </a:defRPr>
+              </a:lvl2pPr>
+              <a:lvl3pPr marL="1143000" indent="-228600" eaLnBrk="0" hangingPunct="0">
+                <a:defRPr sz="2400">
+                  <a:solidFill>
+                    <a:schemeClr val="tx1"/>
+                  </a:solidFill>
+                  <a:latin typeface="Times New Roman" panose="02020603050405020304" pitchFamily="18" charset="0"/>
+                </a:defRPr>
+              </a:lvl3pPr>
+              <a:lvl4pPr marL="1600200" indent="-228600" eaLnBrk="0" hangingPunct="0">
+                <a:defRPr sz="2400">
+                  <a:solidFill>
+                    <a:schemeClr val="tx1"/>
+                  </a:solidFill>
+                  <a:latin typeface="Times New Roman" panose="02020603050405020304" pitchFamily="18" charset="0"/>
+                </a:defRPr>
+              </a:lvl4pPr>
+              <a:lvl5pPr marL="2057400" indent="-228600" eaLnBrk="0" hangingPunct="0">
+                <a:defRPr sz="2400">
+                  <a:solidFill>
+                    <a:schemeClr val="tx1"/>
+                  </a:solidFill>
+                  <a:latin typeface="Times New Roman" panose="02020603050405020304" pitchFamily="18" charset="0"/>
+                </a:defRPr>
+              </a:lvl5pPr>
+              <a:lvl6pPr marL="2514600" indent="-228600" eaLnBrk="0" fontAlgn="base" hangingPunct="0">
+                <a:spcBef>
+                  <a:spcPct val="0"/>
+                </a:spcBef>
+                <a:spcAft>
+                  <a:spcPct val="0"/>
+                </a:spcAft>
+                <a:defRPr sz="2400">
+                  <a:solidFill>
+                    <a:schemeClr val="tx1"/>
+                  </a:solidFill>
+                  <a:latin typeface="Times New Roman" panose="02020603050405020304" pitchFamily="18" charset="0"/>
+                </a:defRPr>
+              </a:lvl6pPr>
+              <a:lvl7pPr marL="2971800" indent="-228600" eaLnBrk="0" fontAlgn="base" hangingPunct="0">
+                <a:spcBef>
+                  <a:spcPct val="0"/>
+                </a:spcBef>
+                <a:spcAft>
+                  <a:spcPct val="0"/>
+                </a:spcAft>
+                <a:defRPr sz="2400">
+                  <a:solidFill>
+                    <a:schemeClr val="tx1"/>
+                  </a:solidFill>
+                  <a:latin typeface="Times New Roman" panose="02020603050405020304" pitchFamily="18" charset="0"/>
+                </a:defRPr>
+              </a:lvl7pPr>
+              <a:lvl8pPr marL="3429000" indent="-228600" eaLnBrk="0" fontAlgn="base" hangingPunct="0">
+                <a:spcBef>
+                  <a:spcPct val="0"/>
+                </a:spcBef>
+                <a:spcAft>
+                  <a:spcPct val="0"/>
+                </a:spcAft>
+                <a:defRPr sz="2400">
+                  <a:solidFill>
+                    <a:schemeClr val="tx1"/>
+                  </a:solidFill>
+                  <a:latin typeface="Times New Roman" panose="02020603050405020304" pitchFamily="18" charset="0"/>
+                </a:defRPr>
+              </a:lvl8pPr>
+              <a:lvl9pPr marL="3886200" indent="-228600" eaLnBrk="0" fontAlgn="base" hangingPunct="0">
+                <a:spcBef>
+                  <a:spcPct val="0"/>
+                </a:spcBef>
+                <a:spcAft>
+                  <a:spcPct val="0"/>
+                </a:spcAft>
+                <a:defRPr sz="2400">
+                  <a:solidFill>
+                    <a:schemeClr val="tx1"/>
+                  </a:solidFill>
+                  <a:latin typeface="Times New Roman" panose="02020603050405020304" pitchFamily="18" charset="0"/>
+                </a:defRPr>
+              </a:lvl9pPr>
+            </a:lstStyle>
+            <a:p>
+              <a:pPr algn="ctr"/>
+              <a:r>
+                <a:rPr lang="en-US" altLang="en-US" sz="1200" b="1">
+                  <a:solidFill>
+                    <a:srgbClr val="006600"/>
+                  </a:solidFill>
+                  <a:latin typeface="Arial" panose="020B0604020202020204" pitchFamily="34" charset="0"/>
+                </a:rPr>
+                <a:t> Signed</a:t>
+              </a:r>
+            </a:p>
+            <a:p>
+              <a:pPr algn="ctr"/>
+              <a:r>
+                <a:rPr lang="en-US" altLang="en-US" sz="1200" b="1">
+                  <a:solidFill>
+                    <a:srgbClr val="006600"/>
+                  </a:solidFill>
+                  <a:latin typeface="Arial" panose="020B0604020202020204" pitchFamily="34" charset="0"/>
+                </a:rPr>
+                <a:t>  Message</a:t>
+              </a:r>
+            </a:p>
+          </p:txBody>
+        </p:sp>
+      </p:grpSp>
+      <p:sp>
+        <p:nvSpPr>
+          <p:cNvPr id="39" name="Line 38">
+            <a:extLst>
+              <a:ext uri="{FF2B5EF4-FFF2-40B4-BE49-F238E27FC236}">
+                <a16:creationId xmlns:a16="http://schemas.microsoft.com/office/drawing/2014/main" id="{86E9DC44-987C-4444-B715-739D7383531F}"/>
+              </a:ext>
+            </a:extLst>
+          </p:cNvPr>
+          <p:cNvSpPr>
+            <a:spLocks noChangeShapeType="1"/>
+          </p:cNvSpPr>
+          <p:nvPr/>
+        </p:nvSpPr>
+        <p:spPr bwMode="auto">
+          <a:xfrm>
+            <a:off x="3245550" y="3457575"/>
+            <a:ext cx="990600" cy="0"/>
+          </a:xfrm>
+          <a:prstGeom prst="line">
+            <a:avLst/>
+          </a:prstGeom>
+          <a:noFill/>
+          <a:ln w="38100">
+            <a:solidFill>
+              <a:schemeClr val="tx1"/>
+            </a:solidFill>
+            <a:round/>
+            <a:headEnd/>
+            <a:tailEnd/>
+          </a:ln>
+          <a:extLst>
+            <a:ext uri="{909E8E84-426E-40DD-AFC4-6F175D3DCCD1}">
+              <a14:hiddenFill xmlns:a14="http://schemas.microsoft.com/office/drawing/2010/main">
+                <a:noFill/>
+              </a14:hiddenFill>
+            </a:ext>
+          </a:extLst>
+        </p:spPr>
+        <p:txBody>
+          <a:bodyPr wrap="none" anchor="ctr"/>
+          <a:lstStyle/>
+          <a:p>
+            <a:endParaRPr lang="en-US"/>
+          </a:p>
+        </p:txBody>
+      </p:sp>
+      <p:sp>
+        <p:nvSpPr>
+          <p:cNvPr id="40" name="Text Box 39">
+            <a:extLst>
+              <a:ext uri="{FF2B5EF4-FFF2-40B4-BE49-F238E27FC236}">
+                <a16:creationId xmlns:a16="http://schemas.microsoft.com/office/drawing/2014/main" id="{B021DC38-E5A4-4C8C-B7DB-6BE15B7405C8}"/>
+              </a:ext>
+            </a:extLst>
+          </p:cNvPr>
+          <p:cNvSpPr txBox="1">
+            <a:spLocks noChangeArrowheads="1"/>
+          </p:cNvSpPr>
+          <p:nvPr/>
+        </p:nvSpPr>
+        <p:spPr bwMode="auto">
+          <a:xfrm>
+            <a:off x="3791650" y="2771775"/>
+            <a:ext cx="2586038" cy="396875"/>
+          </a:xfrm>
+          <a:prstGeom prst="rect">
+            <a:avLst/>
+          </a:prstGeom>
+          <a:noFill/>
+          <a:ln>
+            <a:noFill/>
+          </a:ln>
+          <a:extLst>
+            <a:ext uri="{909E8E84-426E-40DD-AFC4-6F175D3DCCD1}">
+              <a14:hiddenFill xmlns:a14="http://schemas.microsoft.com/office/drawing/2010/main">
+                <a:solidFill>
+                  <a:srgbClr val="FFFFFF"/>
+                </a:solidFill>
+              </a14:hiddenFill>
+            </a:ext>
+            <a:ext uri="{91240B29-F687-4F45-9708-019B960494DF}">
+              <a14:hiddenLine xmlns:a14="http://schemas.microsoft.com/office/drawing/2010/main" w="9525">
+                <a:solidFill>
+                  <a:srgbClr val="000000"/>
+                </a:solidFill>
+                <a:miter lim="800000"/>
+                <a:headEnd/>
+                <a:tailEnd/>
+              </a14:hiddenLine>
+            </a:ext>
+          </a:extLst>
+        </p:spPr>
+        <p:txBody>
+          <a:bodyPr wrap="none">
+            <a:spAutoFit/>
+          </a:bodyPr>
+          <a:lstStyle>
+            <a:lvl1pPr eaLnBrk="0" hangingPunct="0">
+              <a:defRPr sz="2400">
+                <a:solidFill>
+                  <a:schemeClr val="tx1"/>
+                </a:solidFill>
+                <a:latin typeface="Times New Roman" panose="02020603050405020304" pitchFamily="18" charset="0"/>
+              </a:defRPr>
+            </a:lvl1pPr>
+            <a:lvl2pPr marL="742950" indent="-285750" eaLnBrk="0" hangingPunct="0">
+              <a:defRPr sz="2400">
+                <a:solidFill>
+                  <a:schemeClr val="tx1"/>
+                </a:solidFill>
+                <a:latin typeface="Times New Roman" panose="02020603050405020304" pitchFamily="18" charset="0"/>
+              </a:defRPr>
+            </a:lvl2pPr>
+            <a:lvl3pPr marL="1143000" indent="-228600" eaLnBrk="0" hangingPunct="0">
+              <a:defRPr sz="2400">
+                <a:solidFill>
+                  <a:schemeClr val="tx1"/>
+                </a:solidFill>
+                <a:latin typeface="Times New Roman" panose="02020603050405020304" pitchFamily="18" charset="0"/>
+              </a:defRPr>
+            </a:lvl3pPr>
+            <a:lvl4pPr marL="1600200" indent="-228600" eaLnBrk="0" hangingPunct="0">
+              <a:defRPr sz="2400">
+                <a:solidFill>
+                  <a:schemeClr val="tx1"/>
+                </a:solidFill>
+                <a:latin typeface="Times New Roman" panose="02020603050405020304" pitchFamily="18" charset="0"/>
+              </a:defRPr>
+            </a:lvl4pPr>
+            <a:lvl5pPr marL="2057400" indent="-228600" eaLnBrk="0" hangingPunct="0">
+              <a:defRPr sz="2400">
+                <a:solidFill>
+                  <a:schemeClr val="tx1"/>
+                </a:solidFill>
+                <a:latin typeface="Times New Roman" panose="02020603050405020304" pitchFamily="18" charset="0"/>
+              </a:defRPr>
+            </a:lvl5pPr>
+            <a:lvl6pPr marL="2514600" indent="-228600" eaLnBrk="0" fontAlgn="base" hangingPunct="0">
+              <a:spcBef>
+                <a:spcPct val="0"/>
+              </a:spcBef>
+              <a:spcAft>
+                <a:spcPct val="0"/>
+              </a:spcAft>
+              <a:defRPr sz="2400">
+                <a:solidFill>
+                  <a:schemeClr val="tx1"/>
+                </a:solidFill>
+                <a:latin typeface="Times New Roman" panose="02020603050405020304" pitchFamily="18" charset="0"/>
+              </a:defRPr>
+            </a:lvl6pPr>
+            <a:lvl7pPr marL="2971800" indent="-228600" eaLnBrk="0" fontAlgn="base" hangingPunct="0">
+              <a:spcBef>
+                <a:spcPct val="0"/>
+              </a:spcBef>
+              <a:spcAft>
+                <a:spcPct val="0"/>
+              </a:spcAft>
+              <a:defRPr sz="2400">
+                <a:solidFill>
+                  <a:schemeClr val="tx1"/>
+                </a:solidFill>
+                <a:latin typeface="Times New Roman" panose="02020603050405020304" pitchFamily="18" charset="0"/>
+              </a:defRPr>
+            </a:lvl7pPr>
+            <a:lvl8pPr marL="3429000" indent="-228600" eaLnBrk="0" fontAlgn="base" hangingPunct="0">
+              <a:spcBef>
+                <a:spcPct val="0"/>
+              </a:spcBef>
+              <a:spcAft>
+                <a:spcPct val="0"/>
+              </a:spcAft>
+              <a:defRPr sz="2400">
+                <a:solidFill>
+                  <a:schemeClr val="tx1"/>
+                </a:solidFill>
+                <a:latin typeface="Times New Roman" panose="02020603050405020304" pitchFamily="18" charset="0"/>
+              </a:defRPr>
+            </a:lvl8pPr>
+            <a:lvl9pPr marL="3886200" indent="-228600" eaLnBrk="0" fontAlgn="base" hangingPunct="0">
+              <a:spcBef>
+                <a:spcPct val="0"/>
+              </a:spcBef>
+              <a:spcAft>
+                <a:spcPct val="0"/>
+              </a:spcAft>
+              <a:defRPr sz="2400">
+                <a:solidFill>
+                  <a:schemeClr val="tx1"/>
+                </a:solidFill>
+                <a:latin typeface="Times New Roman" panose="02020603050405020304" pitchFamily="18" charset="0"/>
+              </a:defRPr>
+            </a:lvl9pPr>
+          </a:lstStyle>
+          <a:p>
+            <a:pPr eaLnBrk="1" hangingPunct="1"/>
+            <a:r>
+              <a:rPr lang="en-US" altLang="en-US" sz="2000" b="1" i="1">
+                <a:solidFill>
+                  <a:srgbClr val="FF0000"/>
+                </a:solidFill>
+                <a:latin typeface="Tahoma" panose="020B0604030504040204" pitchFamily="34" charset="0"/>
+              </a:rPr>
+              <a:t>Sent thru’ Internet</a:t>
+            </a:r>
+          </a:p>
+        </p:txBody>
+      </p:sp>
+      <p:sp>
+        <p:nvSpPr>
+          <p:cNvPr id="41" name="Text Box 40">
+            <a:extLst>
+              <a:ext uri="{FF2B5EF4-FFF2-40B4-BE49-F238E27FC236}">
+                <a16:creationId xmlns:a16="http://schemas.microsoft.com/office/drawing/2014/main" id="{A23BB6D7-0177-4683-8B78-FDE62F4CEE2E}"/>
+              </a:ext>
+            </a:extLst>
+          </p:cNvPr>
+          <p:cNvSpPr txBox="1">
+            <a:spLocks noChangeArrowheads="1"/>
+          </p:cNvSpPr>
+          <p:nvPr/>
+        </p:nvSpPr>
+        <p:spPr bwMode="auto">
+          <a:xfrm>
+            <a:off x="9305038" y="3375025"/>
+            <a:ext cx="1008062" cy="1127125"/>
+          </a:xfrm>
+          <a:prstGeom prst="rect">
+            <a:avLst/>
+          </a:prstGeom>
+          <a:noFill/>
+          <a:ln>
+            <a:noFill/>
+          </a:ln>
+          <a:extLst>
+            <a:ext uri="{909E8E84-426E-40DD-AFC4-6F175D3DCCD1}">
+              <a14:hiddenFill xmlns:a14="http://schemas.microsoft.com/office/drawing/2010/main">
+                <a:solidFill>
+                  <a:srgbClr val="FFFFFF"/>
+                </a:solidFill>
+              </a14:hiddenFill>
+            </a:ext>
+            <a:ext uri="{91240B29-F687-4F45-9708-019B960494DF}">
+              <a14:hiddenLine xmlns:a14="http://schemas.microsoft.com/office/drawing/2010/main" w="9525">
+                <a:solidFill>
+                  <a:srgbClr val="000000"/>
+                </a:solidFill>
+                <a:miter lim="800000"/>
+                <a:headEnd/>
+                <a:tailEnd/>
+              </a14:hiddenLine>
+            </a:ext>
+          </a:extLst>
+        </p:spPr>
+        <p:txBody>
+          <a:bodyPr wrap="none">
+            <a:spAutoFit/>
+          </a:bodyPr>
+          <a:lstStyle>
+            <a:lvl1pPr eaLnBrk="0" hangingPunct="0">
+              <a:defRPr sz="2400">
+                <a:solidFill>
+                  <a:schemeClr val="tx1"/>
+                </a:solidFill>
+                <a:latin typeface="Times New Roman" panose="02020603050405020304" pitchFamily="18" charset="0"/>
+              </a:defRPr>
+            </a:lvl1pPr>
+            <a:lvl2pPr marL="742950" indent="-285750" eaLnBrk="0" hangingPunct="0">
+              <a:defRPr sz="2400">
+                <a:solidFill>
+                  <a:schemeClr val="tx1"/>
+                </a:solidFill>
+                <a:latin typeface="Times New Roman" panose="02020603050405020304" pitchFamily="18" charset="0"/>
+              </a:defRPr>
+            </a:lvl2pPr>
+            <a:lvl3pPr marL="1143000" indent="-228600" eaLnBrk="0" hangingPunct="0">
+              <a:defRPr sz="2400">
+                <a:solidFill>
+                  <a:schemeClr val="tx1"/>
+                </a:solidFill>
+                <a:latin typeface="Times New Roman" panose="02020603050405020304" pitchFamily="18" charset="0"/>
+              </a:defRPr>
+            </a:lvl3pPr>
+            <a:lvl4pPr marL="1600200" indent="-228600" eaLnBrk="0" hangingPunct="0">
+              <a:defRPr sz="2400">
+                <a:solidFill>
+                  <a:schemeClr val="tx1"/>
+                </a:solidFill>
+                <a:latin typeface="Times New Roman" panose="02020603050405020304" pitchFamily="18" charset="0"/>
+              </a:defRPr>
+            </a:lvl4pPr>
+            <a:lvl5pPr marL="2057400" indent="-228600" eaLnBrk="0" hangingPunct="0">
+              <a:defRPr sz="2400">
+                <a:solidFill>
+                  <a:schemeClr val="tx1"/>
+                </a:solidFill>
+                <a:latin typeface="Times New Roman" panose="02020603050405020304" pitchFamily="18" charset="0"/>
+              </a:defRPr>
+            </a:lvl5pPr>
+            <a:lvl6pPr marL="2514600" indent="-228600" eaLnBrk="0" fontAlgn="base" hangingPunct="0">
+              <a:spcBef>
+                <a:spcPct val="0"/>
+              </a:spcBef>
+              <a:spcAft>
+                <a:spcPct val="0"/>
+              </a:spcAft>
+              <a:defRPr sz="2400">
+                <a:solidFill>
+                  <a:schemeClr val="tx1"/>
+                </a:solidFill>
+                <a:latin typeface="Times New Roman" panose="02020603050405020304" pitchFamily="18" charset="0"/>
+              </a:defRPr>
+            </a:lvl6pPr>
+            <a:lvl7pPr marL="2971800" indent="-228600" eaLnBrk="0" fontAlgn="base" hangingPunct="0">
+              <a:spcBef>
+                <a:spcPct val="0"/>
+              </a:spcBef>
+              <a:spcAft>
+                <a:spcPct val="0"/>
+              </a:spcAft>
+              <a:defRPr sz="2400">
+                <a:solidFill>
+                  <a:schemeClr val="tx1"/>
+                </a:solidFill>
+                <a:latin typeface="Times New Roman" panose="02020603050405020304" pitchFamily="18" charset="0"/>
+              </a:defRPr>
+            </a:lvl7pPr>
+            <a:lvl8pPr marL="3429000" indent="-228600" eaLnBrk="0" fontAlgn="base" hangingPunct="0">
+              <a:spcBef>
+                <a:spcPct val="0"/>
+              </a:spcBef>
+              <a:spcAft>
+                <a:spcPct val="0"/>
+              </a:spcAft>
+              <a:defRPr sz="2400">
+                <a:solidFill>
+                  <a:schemeClr val="tx1"/>
+                </a:solidFill>
+                <a:latin typeface="Times New Roman" panose="02020603050405020304" pitchFamily="18" charset="0"/>
+              </a:defRPr>
+            </a:lvl8pPr>
+            <a:lvl9pPr marL="3886200" indent="-228600" eaLnBrk="0" fontAlgn="base" hangingPunct="0">
+              <a:spcBef>
+                <a:spcPct val="0"/>
+              </a:spcBef>
+              <a:spcAft>
+                <a:spcPct val="0"/>
+              </a:spcAft>
+              <a:defRPr sz="2400">
+                <a:solidFill>
+                  <a:schemeClr val="tx1"/>
+                </a:solidFill>
+                <a:latin typeface="Times New Roman" panose="02020603050405020304" pitchFamily="18" charset="0"/>
+              </a:defRPr>
+            </a:lvl9pPr>
+          </a:lstStyle>
+          <a:p>
+            <a:pPr algn="ctr" eaLnBrk="1" hangingPunct="1"/>
+            <a:r>
+              <a:rPr lang="en-US" altLang="en-US" sz="1600">
+                <a:solidFill>
+                  <a:srgbClr val="CC0000"/>
+                </a:solidFill>
+                <a:latin typeface="Tahoma" panose="020B0604030504040204" pitchFamily="34" charset="0"/>
+              </a:rPr>
+              <a:t>if</a:t>
+            </a:r>
+          </a:p>
+          <a:p>
+            <a:pPr algn="ctr" eaLnBrk="1" hangingPunct="1"/>
+            <a:r>
+              <a:rPr lang="en-US" altLang="en-US">
+                <a:solidFill>
+                  <a:srgbClr val="009900"/>
+                </a:solidFill>
+                <a:latin typeface="Tahoma" panose="020B0604030504040204" pitchFamily="34" charset="0"/>
+              </a:rPr>
+              <a:t>OK</a:t>
+            </a:r>
+          </a:p>
+          <a:p>
+            <a:pPr algn="ctr" eaLnBrk="1" hangingPunct="1"/>
+            <a:r>
+              <a:rPr lang="en-US" altLang="en-US" sz="1400">
+                <a:solidFill>
+                  <a:srgbClr val="CC0000"/>
+                </a:solidFill>
+                <a:latin typeface="Tahoma" panose="020B0604030504040204" pitchFamily="34" charset="0"/>
+              </a:rPr>
+              <a:t>Signatures</a:t>
+            </a:r>
+          </a:p>
+          <a:p>
+            <a:pPr algn="ctr" eaLnBrk="1" hangingPunct="1"/>
+            <a:r>
+              <a:rPr lang="en-US" altLang="en-US" sz="1400">
+                <a:solidFill>
+                  <a:srgbClr val="CC0000"/>
+                </a:solidFill>
+                <a:latin typeface="Tahoma" panose="020B0604030504040204" pitchFamily="34" charset="0"/>
+              </a:rPr>
+              <a:t> verified</a:t>
+            </a:r>
+          </a:p>
+        </p:txBody>
+      </p:sp>
+    </p:spTree>
+    <p:extLst>
+      <p:ext uri="{BB962C8B-B14F-4D97-AF65-F5344CB8AC3E}">
+        <p14:creationId xmlns:p14="http://schemas.microsoft.com/office/powerpoint/2010/main" val="1271176181"/>
+      </p:ext>
+    </p:extLst>
+  </p:cSld>
+  <p:clrMapOvr>
+    <a:masterClrMapping/>
+  </p:clrMapOvr>
+</p:sld>
+</file>
+
+<file path=ppt/slides/slide3.xml><?xml version="1.0" encoding="utf-8"?>
 <p:sld xmlns:a="http://schemas.openxmlformats.org/drawingml/2006/main" xmlns:r="http://schemas.openxmlformats.org/officeDocument/2006/relationships" xmlns:p="http://schemas.openxmlformats.org/presentationml/2006/main">
   <p:cSld>
     <p:spTree>
@@ -6379,7 +8867,7 @@
           <a:p>
             <a:fld id="{656EEF9C-D8EE-4444-AD18-FDA4DCDDF73B}" type="slidenum">
               <a:rPr lang="en-US" smtClean="0"/>
-              <a:t>2</a:t>
+              <a:t>3</a:t>
             </a:fld>
             <a:endParaRPr lang="en-US" dirty="0"/>
           </a:p>
@@ -9549,7 +12037,7 @@
 </p:sld>
 </file>
 
-<file path=ppt/slides/slide3.xml><?xml version="1.0" encoding="utf-8"?>
+<file path=ppt/slides/slide4.xml><?xml version="1.0" encoding="utf-8"?>
 <p:sld xmlns:a="http://schemas.openxmlformats.org/drawingml/2006/main" xmlns:r="http://schemas.openxmlformats.org/officeDocument/2006/relationships" xmlns:p="http://schemas.openxmlformats.org/presentationml/2006/main">
   <p:cSld>
     <p:spTree>
@@ -9642,7 +12130,7 @@
           <a:p>
             <a:fld id="{656EEF9C-D8EE-4444-AD18-FDA4DCDDF73B}" type="slidenum">
               <a:rPr lang="en-US" smtClean="0"/>
-              <a:t>3</a:t>
+              <a:t>4</a:t>
             </a:fld>
             <a:endParaRPr lang="en-US"/>
           </a:p>
@@ -11431,7 +13919,7 @@
 </p:sld>
 </file>
 
-<file path=ppt/slides/slide4.xml><?xml version="1.0" encoding="utf-8"?>
+<file path=ppt/slides/slide5.xml><?xml version="1.0" encoding="utf-8"?>
 <p:sld xmlns:a="http://schemas.openxmlformats.org/drawingml/2006/main" xmlns:r="http://schemas.openxmlformats.org/officeDocument/2006/relationships" xmlns:p="http://schemas.openxmlformats.org/presentationml/2006/main">
   <p:cSld>
     <p:spTree>
@@ -11577,7 +14065,7 @@
           <a:p>
             <a:fld id="{656EEF9C-D8EE-4444-AD18-FDA4DCDDF73B}" type="slidenum">
               <a:rPr lang="en-US" smtClean="0"/>
-              <a:t>4</a:t>
+              <a:t>5</a:t>
             </a:fld>
             <a:endParaRPr lang="en-US"/>
           </a:p>
@@ -12346,7 +14834,7 @@
 </p:sld>
 </file>
 
-<file path=ppt/slides/slide5.xml><?xml version="1.0" encoding="utf-8"?>
+<file path=ppt/slides/slide6.xml><?xml version="1.0" encoding="utf-8"?>
 <p:sld xmlns:a="http://schemas.openxmlformats.org/drawingml/2006/main" xmlns:r="http://schemas.openxmlformats.org/officeDocument/2006/relationships" xmlns:p="http://schemas.openxmlformats.org/presentationml/2006/main">
   <p:cSld>
     <p:spTree>
@@ -12462,7 +14950,7 @@
           <a:p>
             <a:fld id="{656EEF9C-D8EE-4444-AD18-FDA4DCDDF73B}" type="slidenum">
               <a:rPr lang="en-US" smtClean="0"/>
-              <a:t>5</a:t>
+              <a:t>6</a:t>
             </a:fld>
             <a:endParaRPr lang="en-US"/>
           </a:p>
